--- a/tyler/meena/cs320/s23/lec/09-oop3/slides.pptx
+++ b/tyler/meena/cs320/s23/lec/09-oop3/slides.pptx
@@ -5,24 +5,23 @@
     <p:sldMasterId id="2147483648" r:id="rId1"/>
   </p:sldMasterIdLst>
   <p:notesMasterIdLst>
-    <p:notesMasterId r:id="rId17"/>
+    <p:notesMasterId r:id="rId16"/>
   </p:notesMasterIdLst>
   <p:sldIdLst>
     <p:sldId id="256" r:id="rId2"/>
-    <p:sldId id="257" r:id="rId3"/>
-    <p:sldId id="258" r:id="rId4"/>
-    <p:sldId id="259" r:id="rId5"/>
-    <p:sldId id="260" r:id="rId6"/>
-    <p:sldId id="261" r:id="rId7"/>
-    <p:sldId id="262" r:id="rId8"/>
-    <p:sldId id="263" r:id="rId9"/>
-    <p:sldId id="264" r:id="rId10"/>
-    <p:sldId id="265" r:id="rId11"/>
-    <p:sldId id="266" r:id="rId12"/>
-    <p:sldId id="267" r:id="rId13"/>
-    <p:sldId id="268" r:id="rId14"/>
-    <p:sldId id="269" r:id="rId15"/>
-    <p:sldId id="270" r:id="rId16"/>
+    <p:sldId id="258" r:id="rId3"/>
+    <p:sldId id="259" r:id="rId4"/>
+    <p:sldId id="260" r:id="rId5"/>
+    <p:sldId id="261" r:id="rId6"/>
+    <p:sldId id="262" r:id="rId7"/>
+    <p:sldId id="263" r:id="rId8"/>
+    <p:sldId id="264" r:id="rId9"/>
+    <p:sldId id="265" r:id="rId10"/>
+    <p:sldId id="266" r:id="rId11"/>
+    <p:sldId id="267" r:id="rId12"/>
+    <p:sldId id="268" r:id="rId13"/>
+    <p:sldId id="269" r:id="rId14"/>
+    <p:sldId id="270" r:id="rId15"/>
   </p:sldIdLst>
   <p:sldSz cx="13004800" cy="9753600"/>
   <p:notesSz cx="6858000" cy="9144000"/>
@@ -324,6 +323,11 @@
       </a:defRPr>
     </a:lvl9pPr>
   </p:defaultTextStyle>
+  <p:extLst>
+    <p:ext uri="{EFAFB233-063F-42B5-8137-9DF3F51BA10A}">
+      <p15:sldGuideLst xmlns:p15="http://schemas.microsoft.com/office/powerpoint/2012/main"/>
+    </p:ext>
+  </p:extLst>
 </p:presentation>
 </file>
 
@@ -2322,7 +2326,7 @@
           </a:ln>
           <a:extLst>
             <a:ext uri="{C572A759-6A51-4108-AA02-DFA0A04FC94B}">
-              <ma14:wrappingTextBoxFlag xmlns:ma14="http://schemas.microsoft.com/office/mac/drawingml/2011/main" xmlns:a14="http://schemas.microsoft.com/office/drawing/2010/main" xmlns:m="http://schemas.openxmlformats.org/officeDocument/2006/math" xmlns="" val="1"/>
+              <ma14:wrappingTextBoxFlag xmlns="" xmlns:m="http://schemas.openxmlformats.org/officeDocument/2006/math" xmlns:a14="http://schemas.microsoft.com/office/drawing/2010/main" xmlns:ma14="http://schemas.microsoft.com/office/mac/drawingml/2011/main" val="1"/>
             </a:ext>
           </a:extLst>
         </p:spPr>
@@ -2361,7 +2365,7 @@
           </a:ln>
           <a:extLst>
             <a:ext uri="{C572A759-6A51-4108-AA02-DFA0A04FC94B}">
-              <ma14:wrappingTextBoxFlag xmlns:ma14="http://schemas.microsoft.com/office/mac/drawingml/2011/main" xmlns:a14="http://schemas.microsoft.com/office/drawing/2010/main" xmlns:m="http://schemas.openxmlformats.org/officeDocument/2006/math" xmlns="" val="1"/>
+              <ma14:wrappingTextBoxFlag xmlns="" xmlns:m="http://schemas.openxmlformats.org/officeDocument/2006/math" xmlns:a14="http://schemas.microsoft.com/office/drawing/2010/main" xmlns:ma14="http://schemas.microsoft.com/office/mac/drawingml/2011/main" val="1"/>
             </a:ext>
           </a:extLst>
         </p:spPr>
@@ -3308,70 +3312,6 @@
       </p:grpSpPr>
       <p:sp>
         <p:nvSpPr>
-          <p:cNvPr id="172" name="Inheritance"/>
-          <p:cNvSpPr txBox="1">
-            <a:spLocks noGrp="1"/>
-          </p:cNvSpPr>
-          <p:nvPr>
-            <p:ph type="title"/>
-          </p:nvPr>
-        </p:nvSpPr>
-        <p:spPr>
-          <a:xfrm>
-            <a:off x="952500" y="3881611"/>
-            <a:ext cx="11099800" cy="1990378"/>
-          </a:xfrm>
-          <a:prstGeom prst="rect">
-            <a:avLst/>
-          </a:prstGeom>
-        </p:spPr>
-        <p:txBody>
-          <a:bodyPr/>
-          <a:lstStyle>
-            <a:lvl1pPr>
-              <a:defRPr sz="9600">
-                <a:latin typeface="Gill Sans Light"/>
-                <a:ea typeface="Gill Sans Light"/>
-                <a:cs typeface="Gill Sans Light"/>
-                <a:sym typeface="Gill Sans Light"/>
-              </a:defRPr>
-            </a:lvl1pPr>
-          </a:lstStyle>
-          <a:p>
-            <a:r>
-              <a:t>Inheritance</a:t>
-            </a:r>
-          </a:p>
-        </p:txBody>
-      </p:sp>
-    </p:spTree>
-  </p:cSld>
-  <p:clrMapOvr>
-    <a:masterClrMapping/>
-  </p:clrMapOvr>
-  <p:transition spd="med"/>
-</p:sld>
-</file>
-
-<file path=ppt/slides/slide11.xml><?xml version="1.0" encoding="utf-8"?>
-<p:sld xmlns:a="http://schemas.openxmlformats.org/drawingml/2006/main" xmlns:r="http://schemas.openxmlformats.org/officeDocument/2006/relationships" xmlns:p="http://schemas.openxmlformats.org/presentationml/2006/main">
-  <p:cSld>
-    <p:spTree>
-      <p:nvGrpSpPr>
-        <p:cNvPr id="1" name=""/>
-        <p:cNvGrpSpPr/>
-        <p:nvPr/>
-      </p:nvGrpSpPr>
-      <p:grpSpPr>
-        <a:xfrm>
-          <a:off x="0" y="0"/>
-          <a:ext cx="0" cy="0"/>
-          <a:chOff x="0" y="0"/>
-          <a:chExt cx="0" cy="0"/>
-        </a:xfrm>
-      </p:grpSpPr>
-      <p:sp>
-        <p:nvSpPr>
           <p:cNvPr id="174" name="Types, Sub Types, and Objects"/>
           <p:cNvSpPr txBox="1">
             <a:spLocks noGrp="1"/>
@@ -3432,7 +3372,7 @@
           </a:ln>
           <a:extLst>
             <a:ext uri="{C572A759-6A51-4108-AA02-DFA0A04FC94B}">
-              <ma14:wrappingTextBoxFlag xmlns:ma14="http://schemas.microsoft.com/office/mac/drawingml/2011/main" xmlns:a14="http://schemas.microsoft.com/office/drawing/2010/main" xmlns:m="http://schemas.openxmlformats.org/officeDocument/2006/math" xmlns="" val="1"/>
+              <ma14:wrappingTextBoxFlag xmlns="" xmlns:m="http://schemas.openxmlformats.org/officeDocument/2006/math" xmlns:a14="http://schemas.microsoft.com/office/drawing/2010/main" xmlns:ma14="http://schemas.microsoft.com/office/mac/drawingml/2011/main" val="1"/>
             </a:ext>
           </a:extLst>
         </p:spPr>
@@ -3482,7 +3422,7 @@
           </a:ln>
           <a:extLst>
             <a:ext uri="{C572A759-6A51-4108-AA02-DFA0A04FC94B}">
-              <ma14:wrappingTextBoxFlag xmlns:ma14="http://schemas.microsoft.com/office/mac/drawingml/2011/main" xmlns:a14="http://schemas.microsoft.com/office/drawing/2010/main" xmlns:m="http://schemas.openxmlformats.org/officeDocument/2006/math" xmlns="" val="1"/>
+              <ma14:wrappingTextBoxFlag xmlns="" xmlns:m="http://schemas.openxmlformats.org/officeDocument/2006/math" xmlns:a14="http://schemas.microsoft.com/office/drawing/2010/main" xmlns:ma14="http://schemas.microsoft.com/office/mac/drawingml/2011/main" val="1"/>
             </a:ext>
           </a:extLst>
         </p:spPr>
@@ -3532,7 +3472,7 @@
           </a:ln>
           <a:extLst>
             <a:ext uri="{C572A759-6A51-4108-AA02-DFA0A04FC94B}">
-              <ma14:wrappingTextBoxFlag xmlns:ma14="http://schemas.microsoft.com/office/mac/drawingml/2011/main" xmlns:a14="http://schemas.microsoft.com/office/drawing/2010/main" xmlns:m="http://schemas.openxmlformats.org/officeDocument/2006/math" xmlns="" val="1"/>
+              <ma14:wrappingTextBoxFlag xmlns="" xmlns:m="http://schemas.openxmlformats.org/officeDocument/2006/math" xmlns:a14="http://schemas.microsoft.com/office/drawing/2010/main" xmlns:ma14="http://schemas.microsoft.com/office/mac/drawingml/2011/main" val="1"/>
             </a:ext>
           </a:extLst>
         </p:spPr>
@@ -3705,7 +3645,7 @@
           </a:ln>
           <a:extLst>
             <a:ext uri="{C572A759-6A51-4108-AA02-DFA0A04FC94B}">
-              <ma14:wrappingTextBoxFlag xmlns:ma14="http://schemas.microsoft.com/office/mac/drawingml/2011/main" xmlns:a14="http://schemas.microsoft.com/office/drawing/2010/main" xmlns:m="http://schemas.openxmlformats.org/officeDocument/2006/math" xmlns="" val="1"/>
+              <ma14:wrappingTextBoxFlag xmlns="" xmlns:m="http://schemas.openxmlformats.org/officeDocument/2006/math" xmlns:a14="http://schemas.microsoft.com/office/drawing/2010/main" xmlns:ma14="http://schemas.microsoft.com/office/mac/drawingml/2011/main" val="1"/>
             </a:ext>
           </a:extLst>
         </p:spPr>
@@ -4294,7 +4234,7 @@
           </a:ln>
           <a:extLst>
             <a:ext uri="{C572A759-6A51-4108-AA02-DFA0A04FC94B}">
-              <ma14:wrappingTextBoxFlag xmlns:ma14="http://schemas.microsoft.com/office/mac/drawingml/2011/main" xmlns:a14="http://schemas.microsoft.com/office/drawing/2010/main" xmlns:m="http://schemas.openxmlformats.org/officeDocument/2006/math" xmlns="" val="1"/>
+              <ma14:wrappingTextBoxFlag xmlns="" xmlns:m="http://schemas.openxmlformats.org/officeDocument/2006/math" xmlns:a14="http://schemas.microsoft.com/office/drawing/2010/main" xmlns:ma14="http://schemas.microsoft.com/office/mac/drawingml/2011/main" val="1"/>
             </a:ext>
           </a:extLst>
         </p:spPr>
@@ -4341,7 +4281,7 @@
           </a:ln>
           <a:extLst>
             <a:ext uri="{C572A759-6A51-4108-AA02-DFA0A04FC94B}">
-              <ma14:wrappingTextBoxFlag xmlns:ma14="http://schemas.microsoft.com/office/mac/drawingml/2011/main" xmlns:a14="http://schemas.microsoft.com/office/drawing/2010/main" xmlns:m="http://schemas.openxmlformats.org/officeDocument/2006/math" xmlns="" val="1"/>
+              <ma14:wrappingTextBoxFlag xmlns="" xmlns:m="http://schemas.openxmlformats.org/officeDocument/2006/math" xmlns:a14="http://schemas.microsoft.com/office/drawing/2010/main" xmlns:ma14="http://schemas.microsoft.com/office/mac/drawingml/2011/main" val="1"/>
             </a:ext>
           </a:extLst>
         </p:spPr>
@@ -4388,7 +4328,7 @@
           </a:ln>
           <a:extLst>
             <a:ext uri="{C572A759-6A51-4108-AA02-DFA0A04FC94B}">
-              <ma14:wrappingTextBoxFlag xmlns:ma14="http://schemas.microsoft.com/office/mac/drawingml/2011/main" xmlns:a14="http://schemas.microsoft.com/office/drawing/2010/main" xmlns:m="http://schemas.openxmlformats.org/officeDocument/2006/math" xmlns="" val="1"/>
+              <ma14:wrappingTextBoxFlag xmlns="" xmlns:m="http://schemas.openxmlformats.org/officeDocument/2006/math" xmlns:a14="http://schemas.microsoft.com/office/drawing/2010/main" xmlns:ma14="http://schemas.microsoft.com/office/mac/drawingml/2011/main" val="1"/>
             </a:ext>
           </a:extLst>
         </p:spPr>
@@ -4425,7 +4365,7 @@
 </p:sld>
 </file>
 
-<file path=ppt/slides/slide12.xml><?xml version="1.0" encoding="utf-8"?>
+<file path=ppt/slides/slide11.xml><?xml version="1.0" encoding="utf-8"?>
 <p:sld xmlns:a="http://schemas.openxmlformats.org/drawingml/2006/main" xmlns:r="http://schemas.openxmlformats.org/officeDocument/2006/relationships" xmlns:p="http://schemas.openxmlformats.org/presentationml/2006/main">
   <p:cSld>
     <p:spTree>
@@ -4505,7 +4445,7 @@
           </a:ln>
           <a:extLst>
             <a:ext uri="{C572A759-6A51-4108-AA02-DFA0A04FC94B}">
-              <ma14:wrappingTextBoxFlag xmlns:ma14="http://schemas.microsoft.com/office/mac/drawingml/2011/main" xmlns:a14="http://schemas.microsoft.com/office/drawing/2010/main" xmlns:m="http://schemas.openxmlformats.org/officeDocument/2006/math" xmlns="" val="1"/>
+              <ma14:wrappingTextBoxFlag xmlns="" xmlns:m="http://schemas.openxmlformats.org/officeDocument/2006/math" xmlns:a14="http://schemas.microsoft.com/office/drawing/2010/main" xmlns:ma14="http://schemas.microsoft.com/office/mac/drawingml/2011/main" val="1"/>
             </a:ext>
           </a:extLst>
         </p:spPr>
@@ -4555,7 +4495,7 @@
           </a:ln>
           <a:extLst>
             <a:ext uri="{C572A759-6A51-4108-AA02-DFA0A04FC94B}">
-              <ma14:wrappingTextBoxFlag xmlns:ma14="http://schemas.microsoft.com/office/mac/drawingml/2011/main" xmlns:a14="http://schemas.microsoft.com/office/drawing/2010/main" xmlns:m="http://schemas.openxmlformats.org/officeDocument/2006/math" xmlns="" val="1"/>
+              <ma14:wrappingTextBoxFlag xmlns="" xmlns:m="http://schemas.openxmlformats.org/officeDocument/2006/math" xmlns:a14="http://schemas.microsoft.com/office/drawing/2010/main" xmlns:ma14="http://schemas.microsoft.com/office/mac/drawingml/2011/main" val="1"/>
             </a:ext>
           </a:extLst>
         </p:spPr>
@@ -4605,7 +4545,7 @@
           </a:ln>
           <a:extLst>
             <a:ext uri="{C572A759-6A51-4108-AA02-DFA0A04FC94B}">
-              <ma14:wrappingTextBoxFlag xmlns:ma14="http://schemas.microsoft.com/office/mac/drawingml/2011/main" xmlns:a14="http://schemas.microsoft.com/office/drawing/2010/main" xmlns:m="http://schemas.openxmlformats.org/officeDocument/2006/math" xmlns="" val="1"/>
+              <ma14:wrappingTextBoxFlag xmlns="" xmlns:m="http://schemas.openxmlformats.org/officeDocument/2006/math" xmlns:a14="http://schemas.microsoft.com/office/drawing/2010/main" xmlns:ma14="http://schemas.microsoft.com/office/mac/drawingml/2011/main" val="1"/>
             </a:ext>
           </a:extLst>
         </p:spPr>
@@ -4778,7 +4718,7 @@
           </a:ln>
           <a:extLst>
             <a:ext uri="{C572A759-6A51-4108-AA02-DFA0A04FC94B}">
-              <ma14:wrappingTextBoxFlag xmlns:ma14="http://schemas.microsoft.com/office/mac/drawingml/2011/main" xmlns:a14="http://schemas.microsoft.com/office/drawing/2010/main" xmlns:m="http://schemas.openxmlformats.org/officeDocument/2006/math" xmlns="" val="1"/>
+              <ma14:wrappingTextBoxFlag xmlns="" xmlns:m="http://schemas.openxmlformats.org/officeDocument/2006/math" xmlns:a14="http://schemas.microsoft.com/office/drawing/2010/main" xmlns:ma14="http://schemas.microsoft.com/office/mac/drawingml/2011/main" val="1"/>
             </a:ext>
           </a:extLst>
         </p:spPr>
@@ -5367,7 +5307,7 @@
           </a:ln>
           <a:extLst>
             <a:ext uri="{C572A759-6A51-4108-AA02-DFA0A04FC94B}">
-              <ma14:wrappingTextBoxFlag xmlns:ma14="http://schemas.microsoft.com/office/mac/drawingml/2011/main" xmlns:a14="http://schemas.microsoft.com/office/drawing/2010/main" xmlns:m="http://schemas.openxmlformats.org/officeDocument/2006/math" xmlns="" val="1"/>
+              <ma14:wrappingTextBoxFlag xmlns="" xmlns:m="http://schemas.openxmlformats.org/officeDocument/2006/math" xmlns:a14="http://schemas.microsoft.com/office/drawing/2010/main" xmlns:ma14="http://schemas.microsoft.com/office/mac/drawingml/2011/main" val="1"/>
             </a:ext>
           </a:extLst>
         </p:spPr>
@@ -5414,7 +5354,7 @@
           </a:ln>
           <a:extLst>
             <a:ext uri="{C572A759-6A51-4108-AA02-DFA0A04FC94B}">
-              <ma14:wrappingTextBoxFlag xmlns:ma14="http://schemas.microsoft.com/office/mac/drawingml/2011/main" xmlns:a14="http://schemas.microsoft.com/office/drawing/2010/main" xmlns:m="http://schemas.openxmlformats.org/officeDocument/2006/math" xmlns="" val="1"/>
+              <ma14:wrappingTextBoxFlag xmlns="" xmlns:m="http://schemas.openxmlformats.org/officeDocument/2006/math" xmlns:a14="http://schemas.microsoft.com/office/drawing/2010/main" xmlns:ma14="http://schemas.microsoft.com/office/mac/drawingml/2011/main" val="1"/>
             </a:ext>
           </a:extLst>
         </p:spPr>
@@ -5466,7 +5406,7 @@
           </a:ln>
           <a:extLst>
             <a:ext uri="{C572A759-6A51-4108-AA02-DFA0A04FC94B}">
-              <ma14:wrappingTextBoxFlag xmlns:ma14="http://schemas.microsoft.com/office/mac/drawingml/2011/main" xmlns:a14="http://schemas.microsoft.com/office/drawing/2010/main" xmlns:m="http://schemas.openxmlformats.org/officeDocument/2006/math" xmlns="" val="1"/>
+              <ma14:wrappingTextBoxFlag xmlns="" xmlns:m="http://schemas.openxmlformats.org/officeDocument/2006/math" xmlns:a14="http://schemas.microsoft.com/office/drawing/2010/main" xmlns:ma14="http://schemas.microsoft.com/office/mac/drawingml/2011/main" val="1"/>
             </a:ext>
           </a:extLst>
         </p:spPr>
@@ -5634,7 +5574,7 @@
           </a:ln>
           <a:extLst>
             <a:ext uri="{C572A759-6A51-4108-AA02-DFA0A04FC94B}">
-              <ma14:wrappingTextBoxFlag xmlns:ma14="http://schemas.microsoft.com/office/mac/drawingml/2011/main" xmlns:a14="http://schemas.microsoft.com/office/drawing/2010/main" xmlns:m="http://schemas.openxmlformats.org/officeDocument/2006/math" xmlns="" val="1"/>
+              <ma14:wrappingTextBoxFlag xmlns="" xmlns:m="http://schemas.openxmlformats.org/officeDocument/2006/math" xmlns:a14="http://schemas.microsoft.com/office/drawing/2010/main" xmlns:ma14="http://schemas.microsoft.com/office/mac/drawingml/2011/main" val="1"/>
             </a:ext>
           </a:extLst>
         </p:spPr>
@@ -5680,7 +5620,7 @@
 </p:sld>
 </file>
 
-<file path=ppt/slides/slide13.xml><?xml version="1.0" encoding="utf-8"?>
+<file path=ppt/slides/slide12.xml><?xml version="1.0" encoding="utf-8"?>
 <p:sld xmlns:a="http://schemas.openxmlformats.org/drawingml/2006/main" xmlns:r="http://schemas.openxmlformats.org/officeDocument/2006/relationships" xmlns:p="http://schemas.openxmlformats.org/presentationml/2006/main">
   <p:cSld>
     <p:spTree>
@@ -5972,7 +5912,7 @@
           </a:ln>
           <a:extLst>
             <a:ext uri="{C572A759-6A51-4108-AA02-DFA0A04FC94B}">
-              <ma14:wrappingTextBoxFlag xmlns:ma14="http://schemas.microsoft.com/office/mac/drawingml/2011/main" xmlns:a14="http://schemas.microsoft.com/office/drawing/2010/main" xmlns:m="http://schemas.openxmlformats.org/officeDocument/2006/math" xmlns="" val="1"/>
+              <ma14:wrappingTextBoxFlag xmlns="" xmlns:m="http://schemas.openxmlformats.org/officeDocument/2006/math" xmlns:a14="http://schemas.microsoft.com/office/drawing/2010/main" xmlns:ma14="http://schemas.microsoft.com/office/mac/drawingml/2011/main" val="1"/>
             </a:ext>
           </a:extLst>
         </p:spPr>
@@ -6022,7 +5962,7 @@
           </a:ln>
           <a:extLst>
             <a:ext uri="{C572A759-6A51-4108-AA02-DFA0A04FC94B}">
-              <ma14:wrappingTextBoxFlag xmlns:ma14="http://schemas.microsoft.com/office/mac/drawingml/2011/main" xmlns:a14="http://schemas.microsoft.com/office/drawing/2010/main" xmlns:m="http://schemas.openxmlformats.org/officeDocument/2006/math" xmlns="" val="1"/>
+              <ma14:wrappingTextBoxFlag xmlns="" xmlns:m="http://schemas.openxmlformats.org/officeDocument/2006/math" xmlns:a14="http://schemas.microsoft.com/office/drawing/2010/main" xmlns:ma14="http://schemas.microsoft.com/office/mac/drawingml/2011/main" val="1"/>
             </a:ext>
           </a:extLst>
         </p:spPr>
@@ -6195,7 +6135,7 @@
           </a:ln>
           <a:extLst>
             <a:ext uri="{C572A759-6A51-4108-AA02-DFA0A04FC94B}">
-              <ma14:wrappingTextBoxFlag xmlns:ma14="http://schemas.microsoft.com/office/mac/drawingml/2011/main" xmlns:a14="http://schemas.microsoft.com/office/drawing/2010/main" xmlns:m="http://schemas.openxmlformats.org/officeDocument/2006/math" xmlns="" val="1"/>
+              <ma14:wrappingTextBoxFlag xmlns="" xmlns:m="http://schemas.openxmlformats.org/officeDocument/2006/math" xmlns:a14="http://schemas.microsoft.com/office/drawing/2010/main" xmlns:ma14="http://schemas.microsoft.com/office/mac/drawingml/2011/main" val="1"/>
             </a:ext>
           </a:extLst>
         </p:spPr>
@@ -6577,7 +6517,7 @@
           </a:ln>
           <a:extLst>
             <a:ext uri="{C572A759-6A51-4108-AA02-DFA0A04FC94B}">
-              <ma14:wrappingTextBoxFlag xmlns:ma14="http://schemas.microsoft.com/office/mac/drawingml/2011/main" xmlns:a14="http://schemas.microsoft.com/office/drawing/2010/main" xmlns:m="http://schemas.openxmlformats.org/officeDocument/2006/math" xmlns="" val="1"/>
+              <ma14:wrappingTextBoxFlag xmlns="" xmlns:m="http://schemas.openxmlformats.org/officeDocument/2006/math" xmlns:a14="http://schemas.microsoft.com/office/drawing/2010/main" xmlns:ma14="http://schemas.microsoft.com/office/mac/drawingml/2011/main" val="1"/>
             </a:ext>
           </a:extLst>
         </p:spPr>
@@ -6745,7 +6685,7 @@
           </a:ln>
           <a:extLst>
             <a:ext uri="{C572A759-6A51-4108-AA02-DFA0A04FC94B}">
-              <ma14:wrappingTextBoxFlag xmlns:ma14="http://schemas.microsoft.com/office/mac/drawingml/2011/main" xmlns:a14="http://schemas.microsoft.com/office/drawing/2010/main" xmlns:m="http://schemas.openxmlformats.org/officeDocument/2006/math" xmlns="" val="1"/>
+              <ma14:wrappingTextBoxFlag xmlns="" xmlns:m="http://schemas.openxmlformats.org/officeDocument/2006/math" xmlns:a14="http://schemas.microsoft.com/office/drawing/2010/main" xmlns:ma14="http://schemas.microsoft.com/office/mac/drawingml/2011/main" val="1"/>
             </a:ext>
           </a:extLst>
         </p:spPr>
@@ -6805,7 +6745,7 @@
           </a:ln>
           <a:extLst>
             <a:ext uri="{C572A759-6A51-4108-AA02-DFA0A04FC94B}">
-              <ma14:wrappingTextBoxFlag xmlns:ma14="http://schemas.microsoft.com/office/mac/drawingml/2011/main" xmlns:a14="http://schemas.microsoft.com/office/drawing/2010/main" xmlns:m="http://schemas.openxmlformats.org/officeDocument/2006/math" xmlns="" val="1"/>
+              <ma14:wrappingTextBoxFlag xmlns="" xmlns:m="http://schemas.openxmlformats.org/officeDocument/2006/math" xmlns:a14="http://schemas.microsoft.com/office/drawing/2010/main" xmlns:ma14="http://schemas.microsoft.com/office/mac/drawingml/2011/main" val="1"/>
             </a:ext>
           </a:extLst>
         </p:spPr>
@@ -6855,7 +6795,7 @@
           </a:ln>
           <a:extLst>
             <a:ext uri="{C572A759-6A51-4108-AA02-DFA0A04FC94B}">
-              <ma14:wrappingTextBoxFlag xmlns:ma14="http://schemas.microsoft.com/office/mac/drawingml/2011/main" xmlns:a14="http://schemas.microsoft.com/office/drawing/2010/main" xmlns:m="http://schemas.openxmlformats.org/officeDocument/2006/math" xmlns="" val="1"/>
+              <ma14:wrappingTextBoxFlag xmlns="" xmlns:m="http://schemas.openxmlformats.org/officeDocument/2006/math" xmlns:a14="http://schemas.microsoft.com/office/drawing/2010/main" xmlns:ma14="http://schemas.microsoft.com/office/mac/drawingml/2011/main" val="1"/>
             </a:ext>
           </a:extLst>
         </p:spPr>
@@ -6905,7 +6845,7 @@
           </a:ln>
           <a:extLst>
             <a:ext uri="{C572A759-6A51-4108-AA02-DFA0A04FC94B}">
-              <ma14:wrappingTextBoxFlag xmlns:ma14="http://schemas.microsoft.com/office/mac/drawingml/2011/main" xmlns:a14="http://schemas.microsoft.com/office/drawing/2010/main" xmlns:m="http://schemas.openxmlformats.org/officeDocument/2006/math" xmlns="" val="1"/>
+              <ma14:wrappingTextBoxFlag xmlns="" xmlns:m="http://schemas.openxmlformats.org/officeDocument/2006/math" xmlns:a14="http://schemas.microsoft.com/office/drawing/2010/main" xmlns:ma14="http://schemas.microsoft.com/office/mac/drawingml/2011/main" val="1"/>
             </a:ext>
           </a:extLst>
         </p:spPr>
@@ -6955,7 +6895,7 @@
           </a:ln>
           <a:extLst>
             <a:ext uri="{C572A759-6A51-4108-AA02-DFA0A04FC94B}">
-              <ma14:wrappingTextBoxFlag xmlns:ma14="http://schemas.microsoft.com/office/mac/drawingml/2011/main" xmlns:a14="http://schemas.microsoft.com/office/drawing/2010/main" xmlns:m="http://schemas.openxmlformats.org/officeDocument/2006/math" xmlns="" val="1"/>
+              <ma14:wrappingTextBoxFlag xmlns="" xmlns:m="http://schemas.openxmlformats.org/officeDocument/2006/math" xmlns:a14="http://schemas.microsoft.com/office/drawing/2010/main" xmlns:ma14="http://schemas.microsoft.com/office/mac/drawingml/2011/main" val="1"/>
             </a:ext>
           </a:extLst>
         </p:spPr>
@@ -7005,7 +6945,7 @@
           </a:ln>
           <a:extLst>
             <a:ext uri="{C572A759-6A51-4108-AA02-DFA0A04FC94B}">
-              <ma14:wrappingTextBoxFlag xmlns:ma14="http://schemas.microsoft.com/office/mac/drawingml/2011/main" xmlns:a14="http://schemas.microsoft.com/office/drawing/2010/main" xmlns:m="http://schemas.openxmlformats.org/officeDocument/2006/math" xmlns="" val="1"/>
+              <ma14:wrappingTextBoxFlag xmlns="" xmlns:m="http://schemas.openxmlformats.org/officeDocument/2006/math" xmlns:a14="http://schemas.microsoft.com/office/drawing/2010/main" xmlns:ma14="http://schemas.microsoft.com/office/mac/drawingml/2011/main" val="1"/>
             </a:ext>
           </a:extLst>
         </p:spPr>
@@ -7137,7 +7077,7 @@
           </a:ln>
           <a:extLst>
             <a:ext uri="{C572A759-6A51-4108-AA02-DFA0A04FC94B}">
-              <ma14:wrappingTextBoxFlag xmlns:ma14="http://schemas.microsoft.com/office/mac/drawingml/2011/main" xmlns:a14="http://schemas.microsoft.com/office/drawing/2010/main" xmlns:m="http://schemas.openxmlformats.org/officeDocument/2006/math" xmlns="" val="1"/>
+              <ma14:wrappingTextBoxFlag xmlns="" xmlns:m="http://schemas.openxmlformats.org/officeDocument/2006/math" xmlns:a14="http://schemas.microsoft.com/office/drawing/2010/main" xmlns:ma14="http://schemas.microsoft.com/office/mac/drawingml/2011/main" val="1"/>
             </a:ext>
           </a:extLst>
         </p:spPr>
@@ -7264,7 +7204,7 @@
           </a:ln>
           <a:extLst>
             <a:ext uri="{C572A759-6A51-4108-AA02-DFA0A04FC94B}">
-              <ma14:wrappingTextBoxFlag xmlns:ma14="http://schemas.microsoft.com/office/mac/drawingml/2011/main" xmlns:a14="http://schemas.microsoft.com/office/drawing/2010/main" xmlns:m="http://schemas.openxmlformats.org/officeDocument/2006/math" xmlns="" val="1"/>
+              <ma14:wrappingTextBoxFlag xmlns="" xmlns:m="http://schemas.openxmlformats.org/officeDocument/2006/math" xmlns:a14="http://schemas.microsoft.com/office/drawing/2010/main" xmlns:ma14="http://schemas.microsoft.com/office/mac/drawingml/2011/main" val="1"/>
             </a:ext>
           </a:extLst>
         </p:spPr>
@@ -7337,7 +7277,7 @@
           </a:ln>
           <a:extLst>
             <a:ext uri="{C572A759-6A51-4108-AA02-DFA0A04FC94B}">
-              <ma14:wrappingTextBoxFlag xmlns:ma14="http://schemas.microsoft.com/office/mac/drawingml/2011/main" xmlns:a14="http://schemas.microsoft.com/office/drawing/2010/main" xmlns:m="http://schemas.openxmlformats.org/officeDocument/2006/math" xmlns="" val="1"/>
+              <ma14:wrappingTextBoxFlag xmlns="" xmlns:m="http://schemas.openxmlformats.org/officeDocument/2006/math" xmlns:a14="http://schemas.microsoft.com/office/drawing/2010/main" xmlns:ma14="http://schemas.microsoft.com/office/mac/drawingml/2011/main" val="1"/>
             </a:ext>
           </a:extLst>
         </p:spPr>
@@ -7411,7 +7351,7 @@
           </a:ln>
           <a:extLst>
             <a:ext uri="{C572A759-6A51-4108-AA02-DFA0A04FC94B}">
-              <ma14:wrappingTextBoxFlag xmlns:ma14="http://schemas.microsoft.com/office/mac/drawingml/2011/main" xmlns:a14="http://schemas.microsoft.com/office/drawing/2010/main" xmlns:m="http://schemas.openxmlformats.org/officeDocument/2006/math" xmlns="" val="1"/>
+              <ma14:wrappingTextBoxFlag xmlns="" xmlns:m="http://schemas.openxmlformats.org/officeDocument/2006/math" xmlns:a14="http://schemas.microsoft.com/office/drawing/2010/main" xmlns:ma14="http://schemas.microsoft.com/office/mac/drawingml/2011/main" val="1"/>
             </a:ext>
           </a:extLst>
         </p:spPr>
@@ -7473,7 +7413,7 @@
           </a:ln>
           <a:extLst>
             <a:ext uri="{C572A759-6A51-4108-AA02-DFA0A04FC94B}">
-              <ma14:wrappingTextBoxFlag xmlns:ma14="http://schemas.microsoft.com/office/mac/drawingml/2011/main" xmlns:a14="http://schemas.microsoft.com/office/drawing/2010/main" xmlns:m="http://schemas.openxmlformats.org/officeDocument/2006/math" xmlns="" val="1"/>
+              <ma14:wrappingTextBoxFlag xmlns="" xmlns:m="http://schemas.openxmlformats.org/officeDocument/2006/math" xmlns:a14="http://schemas.microsoft.com/office/drawing/2010/main" xmlns:ma14="http://schemas.microsoft.com/office/mac/drawingml/2011/main" val="1"/>
             </a:ext>
           </a:extLst>
         </p:spPr>
@@ -7498,6 +7438,1453 @@
             <a:r>
               <a:t>objects</a:t>
             </a:r>
+          </a:p>
+        </p:txBody>
+      </p:sp>
+    </p:spTree>
+  </p:cSld>
+  <p:clrMapOvr>
+    <a:masterClrMapping/>
+  </p:clrMapOvr>
+  <p:transition spd="med"/>
+</p:sld>
+</file>
+
+<file path=ppt/slides/slide13.xml><?xml version="1.0" encoding="utf-8"?>
+<p:sld xmlns:a="http://schemas.openxmlformats.org/drawingml/2006/main" xmlns:r="http://schemas.openxmlformats.org/officeDocument/2006/relationships" xmlns:p="http://schemas.openxmlformats.org/presentationml/2006/main">
+  <p:cSld>
+    <p:spTree>
+      <p:nvGrpSpPr>
+        <p:cNvPr id="1" name=""/>
+        <p:cNvGrpSpPr/>
+        <p:nvPr/>
+      </p:nvGrpSpPr>
+      <p:grpSpPr>
+        <a:xfrm>
+          <a:off x="0" y="0"/>
+          <a:ext cx="0" cy="0"/>
+          <a:chOff x="0" y="0"/>
+          <a:chExt cx="0" cy="0"/>
+        </a:xfrm>
+      </p:grpSpPr>
+      <p:sp>
+        <p:nvSpPr>
+          <p:cNvPr id="259" name="Types, Sub Types, and Objects"/>
+          <p:cNvSpPr txBox="1">
+            <a:spLocks noGrp="1"/>
+          </p:cNvSpPr>
+          <p:nvPr>
+            <p:ph type="title"/>
+          </p:nvPr>
+        </p:nvSpPr>
+        <p:spPr>
+          <a:xfrm>
+            <a:off x="952500" y="254000"/>
+            <a:ext cx="8383935" cy="902345"/>
+          </a:xfrm>
+          <a:prstGeom prst="rect">
+            <a:avLst/>
+          </a:prstGeom>
+        </p:spPr>
+        <p:txBody>
+          <a:bodyPr/>
+          <a:lstStyle>
+            <a:lvl1pPr algn="l">
+              <a:defRPr sz="4800">
+                <a:latin typeface="Gill Sans Light"/>
+                <a:ea typeface="Gill Sans Light"/>
+                <a:cs typeface="Gill Sans Light"/>
+                <a:sym typeface="Gill Sans Light"/>
+              </a:defRPr>
+            </a:lvl1pPr>
+          </a:lstStyle>
+          <a:p>
+            <a:r>
+              <a:t>Types, Sub Types, and Objects</a:t>
+            </a:r>
+          </a:p>
+        </p:txBody>
+      </p:sp>
+      <p:sp>
+        <p:nvSpPr>
+          <p:cNvPr id="260" name="Student"/>
+          <p:cNvSpPr/>
+          <p:nvPr/>
+        </p:nvSpPr>
+        <p:spPr>
+          <a:xfrm>
+            <a:off x="2914144" y="5617386"/>
+            <a:ext cx="1328736" cy="471523"/>
+          </a:xfrm>
+          <a:prstGeom prst="roundRect">
+            <a:avLst>
+              <a:gd name="adj" fmla="val 21995"/>
+            </a:avLst>
+          </a:prstGeom>
+          <a:solidFill>
+            <a:srgbClr val="929292"/>
+          </a:solidFill>
+          <a:ln w="12700">
+            <a:miter lim="400000"/>
+          </a:ln>
+          <a:extLst>
+            <a:ext uri="{C572A759-6A51-4108-AA02-DFA0A04FC94B}">
+              <ma14:wrappingTextBoxFlag xmlns="" xmlns:m="http://schemas.openxmlformats.org/officeDocument/2006/math" xmlns:a14="http://schemas.microsoft.com/office/drawing/2010/main" xmlns:ma14="http://schemas.microsoft.com/office/mac/drawingml/2011/main" val="1"/>
+            </a:ext>
+          </a:extLst>
+        </p:spPr>
+        <p:txBody>
+          <a:bodyPr lIns="50800" tIns="50800" rIns="50800" bIns="50800" anchor="ctr"/>
+          <a:lstStyle>
+            <a:lvl1pPr>
+              <a:defRPr sz="2200">
+                <a:solidFill>
+                  <a:srgbClr val="FFFFFF"/>
+                </a:solidFill>
+                <a:latin typeface="+mn-lt"/>
+                <a:ea typeface="+mn-ea"/>
+                <a:cs typeface="+mn-cs"/>
+                <a:sym typeface="Gill Sans SemiBold"/>
+              </a:defRPr>
+            </a:lvl1pPr>
+          </a:lstStyle>
+          <a:p>
+            <a:r>
+              <a:t>Student</a:t>
+            </a:r>
+          </a:p>
+        </p:txBody>
+      </p:sp>
+      <p:sp>
+        <p:nvSpPr>
+          <p:cNvPr id="261" name="TA"/>
+          <p:cNvSpPr/>
+          <p:nvPr/>
+        </p:nvSpPr>
+        <p:spPr>
+          <a:xfrm>
+            <a:off x="6479880" y="5617386"/>
+            <a:ext cx="1855821" cy="471523"/>
+          </a:xfrm>
+          <a:prstGeom prst="roundRect">
+            <a:avLst>
+              <a:gd name="adj" fmla="val 21995"/>
+            </a:avLst>
+          </a:prstGeom>
+          <a:solidFill>
+            <a:srgbClr val="929292"/>
+          </a:solidFill>
+          <a:ln w="12700">
+            <a:miter lim="400000"/>
+          </a:ln>
+          <a:extLst>
+            <a:ext uri="{C572A759-6A51-4108-AA02-DFA0A04FC94B}">
+              <ma14:wrappingTextBoxFlag xmlns="" xmlns:m="http://schemas.openxmlformats.org/officeDocument/2006/math" xmlns:a14="http://schemas.microsoft.com/office/drawing/2010/main" xmlns:ma14="http://schemas.microsoft.com/office/mac/drawingml/2011/main" val="1"/>
+            </a:ext>
+          </a:extLst>
+        </p:spPr>
+        <p:txBody>
+          <a:bodyPr lIns="50800" tIns="50800" rIns="50800" bIns="50800" anchor="ctr"/>
+          <a:lstStyle>
+            <a:lvl1pPr>
+              <a:defRPr sz="2200">
+                <a:solidFill>
+                  <a:srgbClr val="FFFFFF"/>
+                </a:solidFill>
+                <a:latin typeface="+mn-lt"/>
+                <a:ea typeface="+mn-ea"/>
+                <a:cs typeface="+mn-cs"/>
+                <a:sym typeface="Gill Sans SemiBold"/>
+              </a:defRPr>
+            </a:lvl1pPr>
+          </a:lstStyle>
+          <a:p>
+            <a:r>
+              <a:t>TA</a:t>
+            </a:r>
+          </a:p>
+        </p:txBody>
+      </p:sp>
+      <p:sp>
+        <p:nvSpPr>
+          <p:cNvPr id="262" name="Line"/>
+          <p:cNvSpPr/>
+          <p:nvPr/>
+        </p:nvSpPr>
+        <p:spPr>
+          <a:xfrm>
+            <a:off x="6243675" y="5083985"/>
+            <a:ext cx="351533" cy="469207"/>
+          </a:xfrm>
+          <a:prstGeom prst="line">
+            <a:avLst/>
+          </a:prstGeom>
+          <a:ln w="25400">
+            <a:solidFill>
+              <a:srgbClr val="000000"/>
+            </a:solidFill>
+            <a:miter lim="400000"/>
+            <a:tailEnd type="triangle"/>
+          </a:ln>
+        </p:spPr>
+        <p:txBody>
+          <a:bodyPr lIns="50800" tIns="50800" rIns="50800" bIns="50800" anchor="ctr"/>
+          <a:lstStyle/>
+          <a:p>
+            <a:pPr>
+              <a:defRPr sz="2200">
+                <a:solidFill>
+                  <a:srgbClr val="FFFFFF"/>
+                </a:solidFill>
+                <a:latin typeface="+mn-lt"/>
+                <a:ea typeface="+mn-ea"/>
+                <a:cs typeface="+mn-cs"/>
+                <a:sym typeface="Gill Sans SemiBold"/>
+              </a:defRPr>
+            </a:pPr>
+            <a:endParaRPr/>
+          </a:p>
+        </p:txBody>
+      </p:sp>
+      <p:sp>
+        <p:nvSpPr>
+          <p:cNvPr id="263" name="Line"/>
+          <p:cNvSpPr/>
+          <p:nvPr/>
+        </p:nvSpPr>
+        <p:spPr>
+          <a:xfrm flipH="1">
+            <a:off x="4190342" y="5101408"/>
+            <a:ext cx="351533" cy="469207"/>
+          </a:xfrm>
+          <a:prstGeom prst="line">
+            <a:avLst/>
+          </a:prstGeom>
+          <a:ln w="25400">
+            <a:solidFill>
+              <a:srgbClr val="000000"/>
+            </a:solidFill>
+            <a:miter lim="400000"/>
+            <a:tailEnd type="triangle"/>
+          </a:ln>
+        </p:spPr>
+        <p:txBody>
+          <a:bodyPr lIns="50800" tIns="50800" rIns="50800" bIns="50800" anchor="ctr"/>
+          <a:lstStyle/>
+          <a:p>
+            <a:pPr>
+              <a:defRPr sz="2200">
+                <a:solidFill>
+                  <a:srgbClr val="FFFFFF"/>
+                </a:solidFill>
+                <a:latin typeface="+mn-lt"/>
+                <a:ea typeface="+mn-ea"/>
+                <a:cs typeface="+mn-cs"/>
+                <a:sym typeface="Gill Sans SemiBold"/>
+              </a:defRPr>
+            </a:pPr>
+            <a:endParaRPr/>
+          </a:p>
+        </p:txBody>
+      </p:sp>
+      <p:sp>
+        <p:nvSpPr>
+          <p:cNvPr id="264" name="Line"/>
+          <p:cNvSpPr/>
+          <p:nvPr/>
+        </p:nvSpPr>
+        <p:spPr>
+          <a:xfrm>
+            <a:off x="5392775" y="5101408"/>
+            <a:ext cx="1" cy="470055"/>
+          </a:xfrm>
+          <a:prstGeom prst="line">
+            <a:avLst/>
+          </a:prstGeom>
+          <a:ln w="25400">
+            <a:solidFill>
+              <a:schemeClr val="accent5">
+                <a:hueOff val="-82419"/>
+                <a:satOff val="-9513"/>
+                <a:lumOff val="-16343"/>
+              </a:schemeClr>
+            </a:solidFill>
+            <a:miter lim="400000"/>
+            <a:tailEnd type="triangle"/>
+          </a:ln>
+        </p:spPr>
+        <p:txBody>
+          <a:bodyPr lIns="50800" tIns="50800" rIns="50800" bIns="50800" anchor="ctr"/>
+          <a:lstStyle/>
+          <a:p>
+            <a:pPr>
+              <a:defRPr sz="2200">
+                <a:solidFill>
+                  <a:srgbClr val="FFFFFF"/>
+                </a:solidFill>
+                <a:latin typeface="+mn-lt"/>
+                <a:ea typeface="+mn-ea"/>
+                <a:cs typeface="+mn-cs"/>
+                <a:sym typeface="Gill Sans SemiBold"/>
+              </a:defRPr>
+            </a:pPr>
+            <a:endParaRPr/>
+          </a:p>
+        </p:txBody>
+      </p:sp>
+      <p:sp>
+        <p:nvSpPr>
+          <p:cNvPr id="265" name="CoursePerson"/>
+          <p:cNvSpPr/>
+          <p:nvPr/>
+        </p:nvSpPr>
+        <p:spPr>
+          <a:xfrm>
+            <a:off x="4039977" y="4540639"/>
+            <a:ext cx="2754350" cy="471523"/>
+          </a:xfrm>
+          <a:prstGeom prst="roundRect">
+            <a:avLst>
+              <a:gd name="adj" fmla="val 30015"/>
+            </a:avLst>
+          </a:prstGeom>
+          <a:solidFill>
+            <a:srgbClr val="5E5E5E"/>
+          </a:solidFill>
+          <a:ln w="12700">
+            <a:miter lim="400000"/>
+          </a:ln>
+          <a:extLst>
+            <a:ext uri="{C572A759-6A51-4108-AA02-DFA0A04FC94B}">
+              <ma14:wrappingTextBoxFlag xmlns="" xmlns:m="http://schemas.openxmlformats.org/officeDocument/2006/math" xmlns:a14="http://schemas.microsoft.com/office/drawing/2010/main" xmlns:ma14="http://schemas.microsoft.com/office/mac/drawingml/2011/main" val="1"/>
+            </a:ext>
+          </a:extLst>
+        </p:spPr>
+        <p:txBody>
+          <a:bodyPr lIns="50800" tIns="50800" rIns="50800" bIns="50800" anchor="ctr"/>
+          <a:lstStyle>
+            <a:lvl1pPr>
+              <a:defRPr sz="2200">
+                <a:solidFill>
+                  <a:srgbClr val="FFFFFF"/>
+                </a:solidFill>
+                <a:latin typeface="+mn-lt"/>
+                <a:ea typeface="+mn-ea"/>
+                <a:cs typeface="+mn-cs"/>
+                <a:sym typeface="Gill Sans SemiBold"/>
+              </a:defRPr>
+            </a:lvl1pPr>
+          </a:lstStyle>
+          <a:p>
+            <a:r>
+              <a:t>CoursePerson</a:t>
+            </a:r>
+          </a:p>
+        </p:txBody>
+      </p:sp>
+      <p:sp>
+        <p:nvSpPr>
+          <p:cNvPr id="266" name="Rounded Rectangle"/>
+          <p:cNvSpPr/>
+          <p:nvPr/>
+        </p:nvSpPr>
+        <p:spPr>
+          <a:xfrm>
+            <a:off x="2653642" y="6828608"/>
+            <a:ext cx="506368" cy="506368"/>
+          </a:xfrm>
+          <a:prstGeom prst="roundRect">
+            <a:avLst>
+              <a:gd name="adj" fmla="val 15000"/>
+            </a:avLst>
+          </a:prstGeom>
+          <a:solidFill>
+            <a:schemeClr val="accent1"/>
+          </a:solidFill>
+          <a:ln w="12700">
+            <a:miter lim="400000"/>
+          </a:ln>
+        </p:spPr>
+        <p:txBody>
+          <a:bodyPr lIns="50800" tIns="50800" rIns="50800" bIns="50800" anchor="ctr"/>
+          <a:lstStyle/>
+          <a:p>
+            <a:pPr>
+              <a:defRPr sz="2200">
+                <a:solidFill>
+                  <a:srgbClr val="FFFFFF"/>
+                </a:solidFill>
+                <a:latin typeface="+mn-lt"/>
+                <a:ea typeface="+mn-ea"/>
+                <a:cs typeface="+mn-cs"/>
+                <a:sym typeface="Gill Sans SemiBold"/>
+              </a:defRPr>
+            </a:pPr>
+            <a:endParaRPr/>
+          </a:p>
+        </p:txBody>
+      </p:sp>
+      <p:sp>
+        <p:nvSpPr>
+          <p:cNvPr id="267" name="Rounded Rectangle"/>
+          <p:cNvSpPr/>
+          <p:nvPr/>
+        </p:nvSpPr>
+        <p:spPr>
+          <a:xfrm>
+            <a:off x="3288642" y="6828608"/>
+            <a:ext cx="506368" cy="506368"/>
+          </a:xfrm>
+          <a:prstGeom prst="roundRect">
+            <a:avLst>
+              <a:gd name="adj" fmla="val 15000"/>
+            </a:avLst>
+          </a:prstGeom>
+          <a:solidFill>
+            <a:schemeClr val="accent1"/>
+          </a:solidFill>
+          <a:ln w="12700">
+            <a:miter lim="400000"/>
+          </a:ln>
+        </p:spPr>
+        <p:txBody>
+          <a:bodyPr lIns="50800" tIns="50800" rIns="50800" bIns="50800" anchor="ctr"/>
+          <a:lstStyle/>
+          <a:p>
+            <a:pPr>
+              <a:defRPr sz="2200">
+                <a:solidFill>
+                  <a:srgbClr val="FFFFFF"/>
+                </a:solidFill>
+                <a:latin typeface="+mn-lt"/>
+                <a:ea typeface="+mn-ea"/>
+                <a:cs typeface="+mn-cs"/>
+                <a:sym typeface="Gill Sans SemiBold"/>
+              </a:defRPr>
+            </a:pPr>
+            <a:endParaRPr/>
+          </a:p>
+        </p:txBody>
+      </p:sp>
+      <p:sp>
+        <p:nvSpPr>
+          <p:cNvPr id="268" name="Rounded Rectangle"/>
+          <p:cNvSpPr/>
+          <p:nvPr/>
+        </p:nvSpPr>
+        <p:spPr>
+          <a:xfrm>
+            <a:off x="3923642" y="6828608"/>
+            <a:ext cx="506368" cy="506368"/>
+          </a:xfrm>
+          <a:prstGeom prst="roundRect">
+            <a:avLst>
+              <a:gd name="adj" fmla="val 15000"/>
+            </a:avLst>
+          </a:prstGeom>
+          <a:solidFill>
+            <a:schemeClr val="accent1"/>
+          </a:solidFill>
+          <a:ln w="12700">
+            <a:miter lim="400000"/>
+          </a:ln>
+        </p:spPr>
+        <p:txBody>
+          <a:bodyPr lIns="50800" tIns="50800" rIns="50800" bIns="50800" anchor="ctr"/>
+          <a:lstStyle/>
+          <a:p>
+            <a:pPr>
+              <a:defRPr sz="2200">
+                <a:solidFill>
+                  <a:srgbClr val="FFFFFF"/>
+                </a:solidFill>
+                <a:latin typeface="+mn-lt"/>
+                <a:ea typeface="+mn-ea"/>
+                <a:cs typeface="+mn-cs"/>
+                <a:sym typeface="Gill Sans SemiBold"/>
+              </a:defRPr>
+            </a:pPr>
+            <a:endParaRPr/>
+          </a:p>
+        </p:txBody>
+      </p:sp>
+      <p:sp>
+        <p:nvSpPr>
+          <p:cNvPr id="269" name="Rounded Rectangle"/>
+          <p:cNvSpPr/>
+          <p:nvPr/>
+        </p:nvSpPr>
+        <p:spPr>
+          <a:xfrm>
+            <a:off x="4558642" y="6828608"/>
+            <a:ext cx="506368" cy="506368"/>
+          </a:xfrm>
+          <a:prstGeom prst="roundRect">
+            <a:avLst>
+              <a:gd name="adj" fmla="val 15000"/>
+            </a:avLst>
+          </a:prstGeom>
+          <a:solidFill>
+            <a:schemeClr val="accent1"/>
+          </a:solidFill>
+          <a:ln w="12700">
+            <a:miter lim="400000"/>
+          </a:ln>
+        </p:spPr>
+        <p:txBody>
+          <a:bodyPr lIns="50800" tIns="50800" rIns="50800" bIns="50800" anchor="ctr"/>
+          <a:lstStyle/>
+          <a:p>
+            <a:pPr>
+              <a:defRPr sz="2200">
+                <a:solidFill>
+                  <a:srgbClr val="FFFFFF"/>
+                </a:solidFill>
+                <a:latin typeface="+mn-lt"/>
+                <a:ea typeface="+mn-ea"/>
+                <a:cs typeface="+mn-cs"/>
+                <a:sym typeface="Gill Sans SemiBold"/>
+              </a:defRPr>
+            </a:pPr>
+            <a:endParaRPr/>
+          </a:p>
+        </p:txBody>
+      </p:sp>
+      <p:sp>
+        <p:nvSpPr>
+          <p:cNvPr id="270" name="Line"/>
+          <p:cNvSpPr/>
+          <p:nvPr/>
+        </p:nvSpPr>
+        <p:spPr>
+          <a:xfrm flipH="1">
+            <a:off x="2903922" y="6134375"/>
+            <a:ext cx="365923" cy="649784"/>
+          </a:xfrm>
+          <a:prstGeom prst="line">
+            <a:avLst/>
+          </a:prstGeom>
+          <a:ln w="25400">
+            <a:solidFill>
+              <a:srgbClr val="000000"/>
+            </a:solidFill>
+            <a:miter lim="400000"/>
+            <a:tailEnd type="triangle"/>
+          </a:ln>
+        </p:spPr>
+        <p:txBody>
+          <a:bodyPr lIns="50800" tIns="50800" rIns="50800" bIns="50800" anchor="ctr"/>
+          <a:lstStyle/>
+          <a:p>
+            <a:pPr>
+              <a:defRPr sz="2200">
+                <a:solidFill>
+                  <a:srgbClr val="FFFFFF"/>
+                </a:solidFill>
+                <a:latin typeface="+mn-lt"/>
+                <a:ea typeface="+mn-ea"/>
+                <a:cs typeface="+mn-cs"/>
+                <a:sym typeface="Gill Sans SemiBold"/>
+              </a:defRPr>
+            </a:pPr>
+            <a:endParaRPr/>
+          </a:p>
+        </p:txBody>
+      </p:sp>
+      <p:sp>
+        <p:nvSpPr>
+          <p:cNvPr id="271" name="Line"/>
+          <p:cNvSpPr/>
+          <p:nvPr/>
+        </p:nvSpPr>
+        <p:spPr>
+          <a:xfrm flipH="1">
+            <a:off x="3448348" y="6134375"/>
+            <a:ext cx="75497" cy="646219"/>
+          </a:xfrm>
+          <a:prstGeom prst="line">
+            <a:avLst/>
+          </a:prstGeom>
+          <a:ln w="25400">
+            <a:solidFill>
+              <a:srgbClr val="000000"/>
+            </a:solidFill>
+            <a:miter lim="400000"/>
+            <a:tailEnd type="triangle"/>
+          </a:ln>
+        </p:spPr>
+        <p:txBody>
+          <a:bodyPr lIns="50800" tIns="50800" rIns="50800" bIns="50800" anchor="ctr"/>
+          <a:lstStyle/>
+          <a:p>
+            <a:pPr>
+              <a:defRPr sz="2200">
+                <a:solidFill>
+                  <a:srgbClr val="FFFFFF"/>
+                </a:solidFill>
+                <a:latin typeface="+mn-lt"/>
+                <a:ea typeface="+mn-ea"/>
+                <a:cs typeface="+mn-cs"/>
+                <a:sym typeface="Gill Sans SemiBold"/>
+              </a:defRPr>
+            </a:pPr>
+            <a:endParaRPr/>
+          </a:p>
+        </p:txBody>
+      </p:sp>
+      <p:sp>
+        <p:nvSpPr>
+          <p:cNvPr id="272" name="Line"/>
+          <p:cNvSpPr/>
+          <p:nvPr/>
+        </p:nvSpPr>
+        <p:spPr>
+          <a:xfrm>
+            <a:off x="3777844" y="6134374"/>
+            <a:ext cx="377972" cy="650254"/>
+          </a:xfrm>
+          <a:prstGeom prst="line">
+            <a:avLst/>
+          </a:prstGeom>
+          <a:ln w="25400">
+            <a:solidFill>
+              <a:srgbClr val="000000"/>
+            </a:solidFill>
+            <a:miter lim="400000"/>
+            <a:tailEnd type="triangle"/>
+          </a:ln>
+        </p:spPr>
+        <p:txBody>
+          <a:bodyPr lIns="50800" tIns="50800" rIns="50800" bIns="50800" anchor="ctr"/>
+          <a:lstStyle/>
+          <a:p>
+            <a:pPr>
+              <a:defRPr sz="2200">
+                <a:solidFill>
+                  <a:srgbClr val="FFFFFF"/>
+                </a:solidFill>
+                <a:latin typeface="+mn-lt"/>
+                <a:ea typeface="+mn-ea"/>
+                <a:cs typeface="+mn-cs"/>
+                <a:sym typeface="Gill Sans SemiBold"/>
+              </a:defRPr>
+            </a:pPr>
+            <a:endParaRPr/>
+          </a:p>
+        </p:txBody>
+      </p:sp>
+      <p:sp>
+        <p:nvSpPr>
+          <p:cNvPr id="273" name="Line"/>
+          <p:cNvSpPr/>
+          <p:nvPr/>
+        </p:nvSpPr>
+        <p:spPr>
+          <a:xfrm>
+            <a:off x="4158844" y="6134374"/>
+            <a:ext cx="510578" cy="645392"/>
+          </a:xfrm>
+          <a:prstGeom prst="line">
+            <a:avLst/>
+          </a:prstGeom>
+          <a:ln w="25400">
+            <a:solidFill>
+              <a:srgbClr val="000000"/>
+            </a:solidFill>
+            <a:miter lim="400000"/>
+            <a:tailEnd type="triangle"/>
+          </a:ln>
+        </p:spPr>
+        <p:txBody>
+          <a:bodyPr lIns="50800" tIns="50800" rIns="50800" bIns="50800" anchor="ctr"/>
+          <a:lstStyle/>
+          <a:p>
+            <a:pPr>
+              <a:defRPr sz="2200">
+                <a:solidFill>
+                  <a:srgbClr val="FFFFFF"/>
+                </a:solidFill>
+                <a:latin typeface="+mn-lt"/>
+                <a:ea typeface="+mn-ea"/>
+                <a:cs typeface="+mn-cs"/>
+                <a:sym typeface="Gill Sans SemiBold"/>
+              </a:defRPr>
+            </a:pPr>
+            <a:endParaRPr/>
+          </a:p>
+        </p:txBody>
+      </p:sp>
+      <p:sp>
+        <p:nvSpPr>
+          <p:cNvPr id="274" name="object"/>
+          <p:cNvSpPr/>
+          <p:nvPr/>
+        </p:nvSpPr>
+        <p:spPr>
+          <a:xfrm>
+            <a:off x="5617778" y="2099776"/>
+            <a:ext cx="2113348" cy="471523"/>
+          </a:xfrm>
+          <a:prstGeom prst="roundRect">
+            <a:avLst>
+              <a:gd name="adj" fmla="val 30015"/>
+            </a:avLst>
+          </a:prstGeom>
+          <a:solidFill>
+            <a:srgbClr val="000000"/>
+          </a:solidFill>
+          <a:ln w="12700">
+            <a:miter lim="400000"/>
+          </a:ln>
+          <a:extLst>
+            <a:ext uri="{C572A759-6A51-4108-AA02-DFA0A04FC94B}">
+              <ma14:wrappingTextBoxFlag xmlns="" xmlns:m="http://schemas.openxmlformats.org/officeDocument/2006/math" xmlns:a14="http://schemas.microsoft.com/office/drawing/2010/main" xmlns:ma14="http://schemas.microsoft.com/office/mac/drawingml/2011/main" val="1"/>
+            </a:ext>
+          </a:extLst>
+        </p:spPr>
+        <p:txBody>
+          <a:bodyPr lIns="50800" tIns="50800" rIns="50800" bIns="50800" anchor="ctr"/>
+          <a:lstStyle>
+            <a:lvl1pPr>
+              <a:defRPr sz="2200">
+                <a:solidFill>
+                  <a:srgbClr val="FFFFFF"/>
+                </a:solidFill>
+                <a:latin typeface="+mn-lt"/>
+                <a:ea typeface="+mn-ea"/>
+                <a:cs typeface="+mn-cs"/>
+                <a:sym typeface="Gill Sans SemiBold"/>
+              </a:defRPr>
+            </a:lvl1pPr>
+          </a:lstStyle>
+          <a:p>
+            <a:r>
+              <a:t>object</a:t>
+            </a:r>
+          </a:p>
+        </p:txBody>
+      </p:sp>
+      <p:sp>
+        <p:nvSpPr>
+          <p:cNvPr id="275" name="Line"/>
+          <p:cNvSpPr/>
+          <p:nvPr/>
+        </p:nvSpPr>
+        <p:spPr>
+          <a:xfrm>
+            <a:off x="7500975" y="2612499"/>
+            <a:ext cx="351533" cy="469206"/>
+          </a:xfrm>
+          <a:prstGeom prst="line">
+            <a:avLst/>
+          </a:prstGeom>
+          <a:ln w="25400">
+            <a:solidFill>
+              <a:srgbClr val="000000"/>
+            </a:solidFill>
+            <a:miter lim="400000"/>
+            <a:tailEnd type="triangle"/>
+          </a:ln>
+        </p:spPr>
+        <p:txBody>
+          <a:bodyPr lIns="50800" tIns="50800" rIns="50800" bIns="50800" anchor="ctr"/>
+          <a:lstStyle/>
+          <a:p>
+            <a:pPr>
+              <a:defRPr sz="2200">
+                <a:solidFill>
+                  <a:srgbClr val="FFFFFF"/>
+                </a:solidFill>
+                <a:latin typeface="+mn-lt"/>
+                <a:ea typeface="+mn-ea"/>
+                <a:cs typeface="+mn-cs"/>
+                <a:sym typeface="Gill Sans SemiBold"/>
+              </a:defRPr>
+            </a:pPr>
+            <a:endParaRPr/>
+          </a:p>
+        </p:txBody>
+      </p:sp>
+      <p:sp>
+        <p:nvSpPr>
+          <p:cNvPr id="276" name="Line"/>
+          <p:cNvSpPr/>
+          <p:nvPr/>
+        </p:nvSpPr>
+        <p:spPr>
+          <a:xfrm flipH="1">
+            <a:off x="5447642" y="2629922"/>
+            <a:ext cx="351533" cy="469206"/>
+          </a:xfrm>
+          <a:prstGeom prst="line">
+            <a:avLst/>
+          </a:prstGeom>
+          <a:ln w="25400">
+            <a:solidFill>
+              <a:srgbClr val="000000"/>
+            </a:solidFill>
+            <a:miter lim="400000"/>
+            <a:tailEnd type="triangle"/>
+          </a:ln>
+        </p:spPr>
+        <p:txBody>
+          <a:bodyPr lIns="50800" tIns="50800" rIns="50800" bIns="50800" anchor="ctr"/>
+          <a:lstStyle/>
+          <a:p>
+            <a:pPr>
+              <a:defRPr sz="2200">
+                <a:solidFill>
+                  <a:srgbClr val="FFFFFF"/>
+                </a:solidFill>
+                <a:latin typeface="+mn-lt"/>
+                <a:ea typeface="+mn-ea"/>
+                <a:cs typeface="+mn-cs"/>
+                <a:sym typeface="Gill Sans SemiBold"/>
+              </a:defRPr>
+            </a:pPr>
+            <a:endParaRPr/>
+          </a:p>
+        </p:txBody>
+      </p:sp>
+      <p:sp>
+        <p:nvSpPr>
+          <p:cNvPr id="277" name="Line"/>
+          <p:cNvSpPr/>
+          <p:nvPr/>
+        </p:nvSpPr>
+        <p:spPr>
+          <a:xfrm>
+            <a:off x="6650075" y="2629921"/>
+            <a:ext cx="1" cy="470055"/>
+          </a:xfrm>
+          <a:prstGeom prst="line">
+            <a:avLst/>
+          </a:prstGeom>
+          <a:ln w="25400">
+            <a:solidFill>
+              <a:srgbClr val="000000"/>
+            </a:solidFill>
+            <a:miter lim="400000"/>
+            <a:tailEnd type="triangle"/>
+          </a:ln>
+        </p:spPr>
+        <p:txBody>
+          <a:bodyPr lIns="50800" tIns="50800" rIns="50800" bIns="50800" anchor="ctr"/>
+          <a:lstStyle/>
+          <a:p>
+            <a:pPr>
+              <a:defRPr sz="2200">
+                <a:solidFill>
+                  <a:srgbClr val="FFFFFF"/>
+                </a:solidFill>
+                <a:latin typeface="+mn-lt"/>
+                <a:ea typeface="+mn-ea"/>
+                <a:cs typeface="+mn-cs"/>
+                <a:sym typeface="Gill Sans SemiBold"/>
+              </a:defRPr>
+            </a:pPr>
+            <a:endParaRPr/>
+          </a:p>
+        </p:txBody>
+      </p:sp>
+      <p:sp>
+        <p:nvSpPr>
+          <p:cNvPr id="278" name="multiple inheritance"/>
+          <p:cNvSpPr txBox="1"/>
+          <p:nvPr/>
+        </p:nvSpPr>
+        <p:spPr>
+          <a:xfrm>
+            <a:off x="4946054" y="8274818"/>
+            <a:ext cx="3112692" cy="558801"/>
+          </a:xfrm>
+          <a:prstGeom prst="rect">
+            <a:avLst/>
+          </a:prstGeom>
+          <a:ln w="12700">
+            <a:miter lim="400000"/>
+          </a:ln>
+          <a:extLst>
+            <a:ext uri="{C572A759-6A51-4108-AA02-DFA0A04FC94B}">
+              <ma14:wrappingTextBoxFlag xmlns="" xmlns:m="http://schemas.openxmlformats.org/officeDocument/2006/math" xmlns:a14="http://schemas.microsoft.com/office/drawing/2010/main" xmlns:ma14="http://schemas.microsoft.com/office/mac/drawingml/2011/main" val="1"/>
+            </a:ext>
+          </a:extLst>
+        </p:spPr>
+        <p:txBody>
+          <a:bodyPr wrap="none" lIns="50800" tIns="50800" rIns="50800" bIns="50800" anchor="ctr">
+            <a:spAutoFit/>
+          </a:bodyPr>
+          <a:lstStyle>
+            <a:lvl1pPr>
+              <a:defRPr sz="3200" i="1">
+                <a:solidFill>
+                  <a:schemeClr val="accent5">
+                    <a:hueOff val="-82419"/>
+                    <a:satOff val="-9513"/>
+                    <a:lumOff val="-16343"/>
+                  </a:schemeClr>
+                </a:solidFill>
+                <a:latin typeface="Gill Sans"/>
+                <a:ea typeface="Gill Sans"/>
+                <a:cs typeface="Gill Sans"/>
+                <a:sym typeface="Gill Sans"/>
+              </a:defRPr>
+            </a:lvl1pPr>
+          </a:lstStyle>
+          <a:p>
+            <a:r>
+              <a:t>multiple inheritance</a:t>
+            </a:r>
+          </a:p>
+        </p:txBody>
+      </p:sp>
+      <p:sp>
+        <p:nvSpPr>
+          <p:cNvPr id="279" name="Instructor"/>
+          <p:cNvSpPr/>
+          <p:nvPr/>
+        </p:nvSpPr>
+        <p:spPr>
+          <a:xfrm>
+            <a:off x="4447880" y="5617386"/>
+            <a:ext cx="1855821" cy="471523"/>
+          </a:xfrm>
+          <a:prstGeom prst="roundRect">
+            <a:avLst>
+              <a:gd name="adj" fmla="val 21995"/>
+            </a:avLst>
+          </a:prstGeom>
+          <a:solidFill>
+            <a:srgbClr val="929292"/>
+          </a:solidFill>
+          <a:ln w="12700">
+            <a:miter lim="400000"/>
+          </a:ln>
+          <a:extLst>
+            <a:ext uri="{C572A759-6A51-4108-AA02-DFA0A04FC94B}">
+              <ma14:wrappingTextBoxFlag xmlns="" xmlns:m="http://schemas.openxmlformats.org/officeDocument/2006/math" xmlns:a14="http://schemas.microsoft.com/office/drawing/2010/main" xmlns:ma14="http://schemas.microsoft.com/office/mac/drawingml/2011/main" val="1"/>
+            </a:ext>
+          </a:extLst>
+        </p:spPr>
+        <p:txBody>
+          <a:bodyPr lIns="50800" tIns="50800" rIns="50800" bIns="50800" anchor="ctr"/>
+          <a:lstStyle>
+            <a:lvl1pPr>
+              <a:defRPr sz="2200">
+                <a:solidFill>
+                  <a:srgbClr val="FFFFFF"/>
+                </a:solidFill>
+                <a:latin typeface="+mn-lt"/>
+                <a:ea typeface="+mn-ea"/>
+                <a:cs typeface="+mn-cs"/>
+                <a:sym typeface="Gill Sans SemiBold"/>
+              </a:defRPr>
+            </a:lvl1pPr>
+          </a:lstStyle>
+          <a:p>
+            <a:r>
+              <a:t>Instructor</a:t>
+            </a:r>
+          </a:p>
+        </p:txBody>
+      </p:sp>
+      <p:sp>
+        <p:nvSpPr>
+          <p:cNvPr id="280" name="Employee"/>
+          <p:cNvSpPr/>
+          <p:nvPr/>
+        </p:nvSpPr>
+        <p:spPr>
+          <a:xfrm>
+            <a:off x="8434176" y="4540639"/>
+            <a:ext cx="2754351" cy="471523"/>
+          </a:xfrm>
+          <a:prstGeom prst="roundRect">
+            <a:avLst>
+              <a:gd name="adj" fmla="val 30015"/>
+            </a:avLst>
+          </a:prstGeom>
+          <a:solidFill>
+            <a:srgbClr val="5E5E5E"/>
+          </a:solidFill>
+          <a:ln w="12700">
+            <a:miter lim="400000"/>
+          </a:ln>
+          <a:extLst>
+            <a:ext uri="{C572A759-6A51-4108-AA02-DFA0A04FC94B}">
+              <ma14:wrappingTextBoxFlag xmlns="" xmlns:m="http://schemas.openxmlformats.org/officeDocument/2006/math" xmlns:a14="http://schemas.microsoft.com/office/drawing/2010/main" xmlns:ma14="http://schemas.microsoft.com/office/mac/drawingml/2011/main" val="1"/>
+            </a:ext>
+          </a:extLst>
+        </p:spPr>
+        <p:txBody>
+          <a:bodyPr lIns="50800" tIns="50800" rIns="50800" bIns="50800" anchor="ctr"/>
+          <a:lstStyle>
+            <a:lvl1pPr>
+              <a:defRPr sz="2200">
+                <a:solidFill>
+                  <a:srgbClr val="FFFFFF"/>
+                </a:solidFill>
+                <a:latin typeface="+mn-lt"/>
+                <a:ea typeface="+mn-ea"/>
+                <a:cs typeface="+mn-cs"/>
+                <a:sym typeface="Gill Sans SemiBold"/>
+              </a:defRPr>
+            </a:lvl1pPr>
+          </a:lstStyle>
+          <a:p>
+            <a:r>
+              <a:t>Employee</a:t>
+            </a:r>
+          </a:p>
+        </p:txBody>
+      </p:sp>
+      <p:sp>
+        <p:nvSpPr>
+          <p:cNvPr id="281" name="Person"/>
+          <p:cNvSpPr/>
+          <p:nvPr/>
+        </p:nvSpPr>
+        <p:spPr>
+          <a:xfrm>
+            <a:off x="7300615" y="3125685"/>
+            <a:ext cx="1328736" cy="471523"/>
+          </a:xfrm>
+          <a:prstGeom prst="roundRect">
+            <a:avLst>
+              <a:gd name="adj" fmla="val 30015"/>
+            </a:avLst>
+          </a:prstGeom>
+          <a:solidFill>
+            <a:srgbClr val="5E5E5E"/>
+          </a:solidFill>
+          <a:ln w="12700">
+            <a:miter lim="400000"/>
+          </a:ln>
+          <a:extLst>
+            <a:ext uri="{C572A759-6A51-4108-AA02-DFA0A04FC94B}">
+              <ma14:wrappingTextBoxFlag xmlns="" xmlns:m="http://schemas.openxmlformats.org/officeDocument/2006/math" xmlns:a14="http://schemas.microsoft.com/office/drawing/2010/main" xmlns:ma14="http://schemas.microsoft.com/office/mac/drawingml/2011/main" val="1"/>
+            </a:ext>
+          </a:extLst>
+        </p:spPr>
+        <p:txBody>
+          <a:bodyPr lIns="50800" tIns="50800" rIns="50800" bIns="50800" anchor="ctr"/>
+          <a:lstStyle>
+            <a:lvl1pPr>
+              <a:defRPr sz="2200">
+                <a:solidFill>
+                  <a:srgbClr val="FFFFFF"/>
+                </a:solidFill>
+                <a:latin typeface="+mn-lt"/>
+                <a:ea typeface="+mn-ea"/>
+                <a:cs typeface="+mn-cs"/>
+                <a:sym typeface="Gill Sans SemiBold"/>
+              </a:defRPr>
+            </a:lvl1pPr>
+          </a:lstStyle>
+          <a:p>
+            <a:r>
+              <a:t>Person</a:t>
+            </a:r>
+          </a:p>
+        </p:txBody>
+      </p:sp>
+      <p:sp>
+        <p:nvSpPr>
+          <p:cNvPr id="282" name="Dog"/>
+          <p:cNvSpPr/>
+          <p:nvPr/>
+        </p:nvSpPr>
+        <p:spPr>
+          <a:xfrm>
+            <a:off x="4757058" y="3087644"/>
+            <a:ext cx="1328736" cy="471523"/>
+          </a:xfrm>
+          <a:prstGeom prst="roundRect">
+            <a:avLst>
+              <a:gd name="adj" fmla="val 30015"/>
+            </a:avLst>
+          </a:prstGeom>
+          <a:solidFill>
+            <a:srgbClr val="5E5E5E"/>
+          </a:solidFill>
+          <a:ln w="12700">
+            <a:miter lim="400000"/>
+          </a:ln>
+          <a:extLst>
+            <a:ext uri="{C572A759-6A51-4108-AA02-DFA0A04FC94B}">
+              <ma14:wrappingTextBoxFlag xmlns="" xmlns:m="http://schemas.openxmlformats.org/officeDocument/2006/math" xmlns:a14="http://schemas.microsoft.com/office/drawing/2010/main" xmlns:ma14="http://schemas.microsoft.com/office/mac/drawingml/2011/main" val="1"/>
+            </a:ext>
+          </a:extLst>
+        </p:spPr>
+        <p:txBody>
+          <a:bodyPr lIns="50800" tIns="50800" rIns="50800" bIns="50800" anchor="ctr"/>
+          <a:lstStyle>
+            <a:lvl1pPr>
+              <a:defRPr sz="2200">
+                <a:solidFill>
+                  <a:srgbClr val="FFFFFF"/>
+                </a:solidFill>
+                <a:latin typeface="+mn-lt"/>
+                <a:ea typeface="+mn-ea"/>
+                <a:cs typeface="+mn-cs"/>
+                <a:sym typeface="Gill Sans SemiBold"/>
+              </a:defRPr>
+            </a:lvl1pPr>
+          </a:lstStyle>
+          <a:p>
+            <a:r>
+              <a:t>Dog</a:t>
+            </a:r>
+          </a:p>
+        </p:txBody>
+      </p:sp>
+      <p:sp>
+        <p:nvSpPr>
+          <p:cNvPr id="283" name="Janitor"/>
+          <p:cNvSpPr/>
+          <p:nvPr/>
+        </p:nvSpPr>
+        <p:spPr>
+          <a:xfrm>
+            <a:off x="10429581" y="5617386"/>
+            <a:ext cx="1328736" cy="471523"/>
+          </a:xfrm>
+          <a:prstGeom prst="roundRect">
+            <a:avLst>
+              <a:gd name="adj" fmla="val 21995"/>
+            </a:avLst>
+          </a:prstGeom>
+          <a:solidFill>
+            <a:srgbClr val="929292"/>
+          </a:solidFill>
+          <a:ln w="12700">
+            <a:miter lim="400000"/>
+          </a:ln>
+          <a:extLst>
+            <a:ext uri="{C572A759-6A51-4108-AA02-DFA0A04FC94B}">
+              <ma14:wrappingTextBoxFlag xmlns="" xmlns:m="http://schemas.openxmlformats.org/officeDocument/2006/math" xmlns:a14="http://schemas.microsoft.com/office/drawing/2010/main" xmlns:ma14="http://schemas.microsoft.com/office/mac/drawingml/2011/main" val="1"/>
+            </a:ext>
+          </a:extLst>
+        </p:spPr>
+        <p:txBody>
+          <a:bodyPr lIns="50800" tIns="50800" rIns="50800" bIns="50800" anchor="ctr"/>
+          <a:lstStyle>
+            <a:lvl1pPr>
+              <a:defRPr sz="2200">
+                <a:solidFill>
+                  <a:srgbClr val="FFFFFF"/>
+                </a:solidFill>
+                <a:latin typeface="+mn-lt"/>
+                <a:ea typeface="+mn-ea"/>
+                <a:cs typeface="+mn-cs"/>
+                <a:sym typeface="Gill Sans SemiBold"/>
+              </a:defRPr>
+            </a:lvl1pPr>
+          </a:lstStyle>
+          <a:p>
+            <a:r>
+              <a:t>Janitor</a:t>
+            </a:r>
+          </a:p>
+        </p:txBody>
+      </p:sp>
+      <p:sp>
+        <p:nvSpPr>
+          <p:cNvPr id="284" name="Line"/>
+          <p:cNvSpPr/>
+          <p:nvPr/>
+        </p:nvSpPr>
+        <p:spPr>
+          <a:xfrm>
+            <a:off x="10561675" y="5083985"/>
+            <a:ext cx="351533" cy="469207"/>
+          </a:xfrm>
+          <a:prstGeom prst="line">
+            <a:avLst/>
+          </a:prstGeom>
+          <a:ln w="25400">
+            <a:solidFill>
+              <a:srgbClr val="000000"/>
+            </a:solidFill>
+            <a:miter lim="400000"/>
+            <a:tailEnd type="triangle"/>
+          </a:ln>
+        </p:spPr>
+        <p:txBody>
+          <a:bodyPr lIns="50800" tIns="50800" rIns="50800" bIns="50800" anchor="ctr"/>
+          <a:lstStyle/>
+          <a:p>
+            <a:pPr>
+              <a:defRPr sz="2200">
+                <a:solidFill>
+                  <a:srgbClr val="FFFFFF"/>
+                </a:solidFill>
+                <a:latin typeface="+mn-lt"/>
+                <a:ea typeface="+mn-ea"/>
+                <a:cs typeface="+mn-cs"/>
+                <a:sym typeface="Gill Sans SemiBold"/>
+              </a:defRPr>
+            </a:pPr>
+            <a:endParaRPr/>
+          </a:p>
+        </p:txBody>
+      </p:sp>
+      <p:sp>
+        <p:nvSpPr>
+          <p:cNvPr id="285" name="Line"/>
+          <p:cNvSpPr/>
+          <p:nvPr/>
+        </p:nvSpPr>
+        <p:spPr>
+          <a:xfrm flipH="1">
+            <a:off x="9016342" y="5101408"/>
+            <a:ext cx="351533" cy="469207"/>
+          </a:xfrm>
+          <a:prstGeom prst="line">
+            <a:avLst/>
+          </a:prstGeom>
+          <a:ln w="25400">
+            <a:solidFill>
+              <a:srgbClr val="000000"/>
+            </a:solidFill>
+            <a:miter lim="400000"/>
+            <a:tailEnd type="triangle"/>
+          </a:ln>
+        </p:spPr>
+        <p:txBody>
+          <a:bodyPr lIns="50800" tIns="50800" rIns="50800" bIns="50800" anchor="ctr"/>
+          <a:lstStyle/>
+          <a:p>
+            <a:pPr>
+              <a:defRPr sz="2200">
+                <a:solidFill>
+                  <a:srgbClr val="FFFFFF"/>
+                </a:solidFill>
+                <a:latin typeface="+mn-lt"/>
+                <a:ea typeface="+mn-ea"/>
+                <a:cs typeface="+mn-cs"/>
+                <a:sym typeface="Gill Sans SemiBold"/>
+              </a:defRPr>
+            </a:pPr>
+            <a:endParaRPr/>
+          </a:p>
+        </p:txBody>
+      </p:sp>
+      <p:sp>
+        <p:nvSpPr>
+          <p:cNvPr id="286" name="Admin"/>
+          <p:cNvSpPr/>
+          <p:nvPr/>
+        </p:nvSpPr>
+        <p:spPr>
+          <a:xfrm>
+            <a:off x="8511880" y="5617386"/>
+            <a:ext cx="1370621" cy="471523"/>
+          </a:xfrm>
+          <a:prstGeom prst="roundRect">
+            <a:avLst>
+              <a:gd name="adj" fmla="val 21995"/>
+            </a:avLst>
+          </a:prstGeom>
+          <a:solidFill>
+            <a:srgbClr val="929292"/>
+          </a:solidFill>
+          <a:ln w="12700">
+            <a:miter lim="400000"/>
+          </a:ln>
+          <a:extLst>
+            <a:ext uri="{C572A759-6A51-4108-AA02-DFA0A04FC94B}">
+              <ma14:wrappingTextBoxFlag xmlns="" xmlns:m="http://schemas.openxmlformats.org/officeDocument/2006/math" xmlns:a14="http://schemas.microsoft.com/office/drawing/2010/main" xmlns:ma14="http://schemas.microsoft.com/office/mac/drawingml/2011/main" val="1"/>
+            </a:ext>
+          </a:extLst>
+        </p:spPr>
+        <p:txBody>
+          <a:bodyPr lIns="50800" tIns="50800" rIns="50800" bIns="50800" anchor="ctr"/>
+          <a:lstStyle>
+            <a:lvl1pPr>
+              <a:defRPr sz="2200">
+                <a:solidFill>
+                  <a:srgbClr val="FFFFFF"/>
+                </a:solidFill>
+                <a:latin typeface="+mn-lt"/>
+                <a:ea typeface="+mn-ea"/>
+                <a:cs typeface="+mn-cs"/>
+                <a:sym typeface="Gill Sans SemiBold"/>
+              </a:defRPr>
+            </a:lvl1pPr>
+          </a:lstStyle>
+          <a:p>
+            <a:r>
+              <a:t>Admin</a:t>
+            </a:r>
+          </a:p>
+        </p:txBody>
+      </p:sp>
+      <p:sp>
+        <p:nvSpPr>
+          <p:cNvPr id="287" name="Line"/>
+          <p:cNvSpPr/>
+          <p:nvPr/>
+        </p:nvSpPr>
+        <p:spPr>
+          <a:xfrm>
+            <a:off x="8478875" y="3649859"/>
+            <a:ext cx="511226" cy="817960"/>
+          </a:xfrm>
+          <a:prstGeom prst="line">
+            <a:avLst/>
+          </a:prstGeom>
+          <a:ln w="25400">
+            <a:solidFill>
+              <a:srgbClr val="000000"/>
+            </a:solidFill>
+            <a:miter lim="400000"/>
+            <a:tailEnd type="triangle"/>
+          </a:ln>
+        </p:spPr>
+        <p:txBody>
+          <a:bodyPr lIns="50800" tIns="50800" rIns="50800" bIns="50800" anchor="ctr"/>
+          <a:lstStyle/>
+          <a:p>
+            <a:pPr>
+              <a:defRPr sz="2200">
+                <a:solidFill>
+                  <a:srgbClr val="FFFFFF"/>
+                </a:solidFill>
+                <a:latin typeface="+mn-lt"/>
+                <a:ea typeface="+mn-ea"/>
+                <a:cs typeface="+mn-cs"/>
+                <a:sym typeface="Gill Sans SemiBold"/>
+              </a:defRPr>
+            </a:pPr>
+            <a:endParaRPr/>
+          </a:p>
+        </p:txBody>
+      </p:sp>
+      <p:sp>
+        <p:nvSpPr>
+          <p:cNvPr id="288" name="Line"/>
+          <p:cNvSpPr/>
+          <p:nvPr/>
+        </p:nvSpPr>
+        <p:spPr>
+          <a:xfrm flipH="1">
+            <a:off x="6595901" y="3667282"/>
+            <a:ext cx="943174" cy="776982"/>
+          </a:xfrm>
+          <a:prstGeom prst="line">
+            <a:avLst/>
+          </a:prstGeom>
+          <a:ln w="25400">
+            <a:solidFill>
+              <a:srgbClr val="000000"/>
+            </a:solidFill>
+            <a:miter lim="400000"/>
+            <a:tailEnd type="triangle"/>
+          </a:ln>
+        </p:spPr>
+        <p:txBody>
+          <a:bodyPr lIns="50800" tIns="50800" rIns="50800" bIns="50800" anchor="ctr"/>
+          <a:lstStyle/>
+          <a:p>
+            <a:pPr>
+              <a:defRPr sz="2200">
+                <a:solidFill>
+                  <a:srgbClr val="FFFFFF"/>
+                </a:solidFill>
+                <a:latin typeface="+mn-lt"/>
+                <a:ea typeface="+mn-ea"/>
+                <a:cs typeface="+mn-cs"/>
+                <a:sym typeface="Gill Sans SemiBold"/>
+              </a:defRPr>
+            </a:pPr>
+            <a:endParaRPr/>
+          </a:p>
+        </p:txBody>
+      </p:sp>
+      <p:sp>
+        <p:nvSpPr>
+          <p:cNvPr id="289" name="Line"/>
+          <p:cNvSpPr/>
+          <p:nvPr/>
+        </p:nvSpPr>
+        <p:spPr>
+          <a:xfrm flipH="1">
+            <a:off x="6167077" y="4789316"/>
+            <a:ext cx="2156074" cy="736104"/>
+          </a:xfrm>
+          <a:prstGeom prst="line">
+            <a:avLst/>
+          </a:prstGeom>
+          <a:ln w="25400">
+            <a:solidFill>
+              <a:schemeClr val="accent5">
+                <a:hueOff val="-82419"/>
+                <a:satOff val="-9513"/>
+                <a:lumOff val="-16343"/>
+              </a:schemeClr>
+            </a:solidFill>
+            <a:miter lim="400000"/>
+            <a:tailEnd type="triangle"/>
+          </a:ln>
+        </p:spPr>
+        <p:txBody>
+          <a:bodyPr lIns="50800" tIns="50800" rIns="50800" bIns="50800" anchor="ctr"/>
+          <a:lstStyle/>
+          <a:p>
+            <a:pPr>
+              <a:defRPr sz="2200">
+                <a:solidFill>
+                  <a:srgbClr val="FFFFFF"/>
+                </a:solidFill>
+                <a:latin typeface="+mn-lt"/>
+                <a:ea typeface="+mn-ea"/>
+                <a:cs typeface="+mn-cs"/>
+                <a:sym typeface="Gill Sans SemiBold"/>
+              </a:defRPr>
+            </a:pPr>
+            <a:endParaRPr/>
+          </a:p>
+        </p:txBody>
+      </p:sp>
+      <p:sp>
+        <p:nvSpPr>
+          <p:cNvPr id="290" name="Line"/>
+          <p:cNvSpPr/>
+          <p:nvPr/>
+        </p:nvSpPr>
+        <p:spPr>
+          <a:xfrm flipH="1">
+            <a:off x="8116814" y="5088389"/>
+            <a:ext cx="366962" cy="474019"/>
+          </a:xfrm>
+          <a:prstGeom prst="line">
+            <a:avLst/>
+          </a:prstGeom>
+          <a:ln w="25400">
+            <a:solidFill>
+              <a:srgbClr val="000000"/>
+            </a:solidFill>
+            <a:miter lim="400000"/>
+            <a:tailEnd type="triangle"/>
+          </a:ln>
+        </p:spPr>
+        <p:txBody>
+          <a:bodyPr lIns="50800" tIns="50800" rIns="50800" bIns="50800" anchor="ctr"/>
+          <a:lstStyle/>
+          <a:p>
+            <a:pPr>
+              <a:defRPr sz="2200">
+                <a:solidFill>
+                  <a:srgbClr val="FFFFFF"/>
+                </a:solidFill>
+                <a:latin typeface="+mn-lt"/>
+                <a:ea typeface="+mn-ea"/>
+                <a:cs typeface="+mn-cs"/>
+                <a:sym typeface="Gill Sans SemiBold"/>
+              </a:defRPr>
+            </a:pPr>
+            <a:endParaRPr/>
           </a:p>
         </p:txBody>
       </p:sp>
@@ -7529,1453 +8916,6 @@
       </p:grpSpPr>
       <p:sp>
         <p:nvSpPr>
-          <p:cNvPr id="259" name="Types, Sub Types, and Objects"/>
-          <p:cNvSpPr txBox="1">
-            <a:spLocks noGrp="1"/>
-          </p:cNvSpPr>
-          <p:nvPr>
-            <p:ph type="title"/>
-          </p:nvPr>
-        </p:nvSpPr>
-        <p:spPr>
-          <a:xfrm>
-            <a:off x="952500" y="254000"/>
-            <a:ext cx="8383935" cy="902345"/>
-          </a:xfrm>
-          <a:prstGeom prst="rect">
-            <a:avLst/>
-          </a:prstGeom>
-        </p:spPr>
-        <p:txBody>
-          <a:bodyPr/>
-          <a:lstStyle>
-            <a:lvl1pPr algn="l">
-              <a:defRPr sz="4800">
-                <a:latin typeface="Gill Sans Light"/>
-                <a:ea typeface="Gill Sans Light"/>
-                <a:cs typeface="Gill Sans Light"/>
-                <a:sym typeface="Gill Sans Light"/>
-              </a:defRPr>
-            </a:lvl1pPr>
-          </a:lstStyle>
-          <a:p>
-            <a:r>
-              <a:t>Types, Sub Types, and Objects</a:t>
-            </a:r>
-          </a:p>
-        </p:txBody>
-      </p:sp>
-      <p:sp>
-        <p:nvSpPr>
-          <p:cNvPr id="260" name="Student"/>
-          <p:cNvSpPr/>
-          <p:nvPr/>
-        </p:nvSpPr>
-        <p:spPr>
-          <a:xfrm>
-            <a:off x="2914144" y="5617386"/>
-            <a:ext cx="1328736" cy="471523"/>
-          </a:xfrm>
-          <a:prstGeom prst="roundRect">
-            <a:avLst>
-              <a:gd name="adj" fmla="val 21995"/>
-            </a:avLst>
-          </a:prstGeom>
-          <a:solidFill>
-            <a:srgbClr val="929292"/>
-          </a:solidFill>
-          <a:ln w="12700">
-            <a:miter lim="400000"/>
-          </a:ln>
-          <a:extLst>
-            <a:ext uri="{C572A759-6A51-4108-AA02-DFA0A04FC94B}">
-              <ma14:wrappingTextBoxFlag xmlns:ma14="http://schemas.microsoft.com/office/mac/drawingml/2011/main" xmlns:a14="http://schemas.microsoft.com/office/drawing/2010/main" xmlns:m="http://schemas.openxmlformats.org/officeDocument/2006/math" xmlns="" val="1"/>
-            </a:ext>
-          </a:extLst>
-        </p:spPr>
-        <p:txBody>
-          <a:bodyPr lIns="50800" tIns="50800" rIns="50800" bIns="50800" anchor="ctr"/>
-          <a:lstStyle>
-            <a:lvl1pPr>
-              <a:defRPr sz="2200">
-                <a:solidFill>
-                  <a:srgbClr val="FFFFFF"/>
-                </a:solidFill>
-                <a:latin typeface="+mn-lt"/>
-                <a:ea typeface="+mn-ea"/>
-                <a:cs typeface="+mn-cs"/>
-                <a:sym typeface="Gill Sans SemiBold"/>
-              </a:defRPr>
-            </a:lvl1pPr>
-          </a:lstStyle>
-          <a:p>
-            <a:r>
-              <a:t>Student</a:t>
-            </a:r>
-          </a:p>
-        </p:txBody>
-      </p:sp>
-      <p:sp>
-        <p:nvSpPr>
-          <p:cNvPr id="261" name="TA"/>
-          <p:cNvSpPr/>
-          <p:nvPr/>
-        </p:nvSpPr>
-        <p:spPr>
-          <a:xfrm>
-            <a:off x="6479880" y="5617386"/>
-            <a:ext cx="1855821" cy="471523"/>
-          </a:xfrm>
-          <a:prstGeom prst="roundRect">
-            <a:avLst>
-              <a:gd name="adj" fmla="val 21995"/>
-            </a:avLst>
-          </a:prstGeom>
-          <a:solidFill>
-            <a:srgbClr val="929292"/>
-          </a:solidFill>
-          <a:ln w="12700">
-            <a:miter lim="400000"/>
-          </a:ln>
-          <a:extLst>
-            <a:ext uri="{C572A759-6A51-4108-AA02-DFA0A04FC94B}">
-              <ma14:wrappingTextBoxFlag xmlns:ma14="http://schemas.microsoft.com/office/mac/drawingml/2011/main" xmlns:a14="http://schemas.microsoft.com/office/drawing/2010/main" xmlns:m="http://schemas.openxmlformats.org/officeDocument/2006/math" xmlns="" val="1"/>
-            </a:ext>
-          </a:extLst>
-        </p:spPr>
-        <p:txBody>
-          <a:bodyPr lIns="50800" tIns="50800" rIns="50800" bIns="50800" anchor="ctr"/>
-          <a:lstStyle>
-            <a:lvl1pPr>
-              <a:defRPr sz="2200">
-                <a:solidFill>
-                  <a:srgbClr val="FFFFFF"/>
-                </a:solidFill>
-                <a:latin typeface="+mn-lt"/>
-                <a:ea typeface="+mn-ea"/>
-                <a:cs typeface="+mn-cs"/>
-                <a:sym typeface="Gill Sans SemiBold"/>
-              </a:defRPr>
-            </a:lvl1pPr>
-          </a:lstStyle>
-          <a:p>
-            <a:r>
-              <a:t>TA</a:t>
-            </a:r>
-          </a:p>
-        </p:txBody>
-      </p:sp>
-      <p:sp>
-        <p:nvSpPr>
-          <p:cNvPr id="262" name="Line"/>
-          <p:cNvSpPr/>
-          <p:nvPr/>
-        </p:nvSpPr>
-        <p:spPr>
-          <a:xfrm>
-            <a:off x="6243675" y="5083985"/>
-            <a:ext cx="351533" cy="469207"/>
-          </a:xfrm>
-          <a:prstGeom prst="line">
-            <a:avLst/>
-          </a:prstGeom>
-          <a:ln w="25400">
-            <a:solidFill>
-              <a:srgbClr val="000000"/>
-            </a:solidFill>
-            <a:miter lim="400000"/>
-            <a:tailEnd type="triangle"/>
-          </a:ln>
-        </p:spPr>
-        <p:txBody>
-          <a:bodyPr lIns="50800" tIns="50800" rIns="50800" bIns="50800" anchor="ctr"/>
-          <a:lstStyle/>
-          <a:p>
-            <a:pPr>
-              <a:defRPr sz="2200">
-                <a:solidFill>
-                  <a:srgbClr val="FFFFFF"/>
-                </a:solidFill>
-                <a:latin typeface="+mn-lt"/>
-                <a:ea typeface="+mn-ea"/>
-                <a:cs typeface="+mn-cs"/>
-                <a:sym typeface="Gill Sans SemiBold"/>
-              </a:defRPr>
-            </a:pPr>
-            <a:endParaRPr/>
-          </a:p>
-        </p:txBody>
-      </p:sp>
-      <p:sp>
-        <p:nvSpPr>
-          <p:cNvPr id="263" name="Line"/>
-          <p:cNvSpPr/>
-          <p:nvPr/>
-        </p:nvSpPr>
-        <p:spPr>
-          <a:xfrm flipH="1">
-            <a:off x="4190342" y="5101408"/>
-            <a:ext cx="351533" cy="469207"/>
-          </a:xfrm>
-          <a:prstGeom prst="line">
-            <a:avLst/>
-          </a:prstGeom>
-          <a:ln w="25400">
-            <a:solidFill>
-              <a:srgbClr val="000000"/>
-            </a:solidFill>
-            <a:miter lim="400000"/>
-            <a:tailEnd type="triangle"/>
-          </a:ln>
-        </p:spPr>
-        <p:txBody>
-          <a:bodyPr lIns="50800" tIns="50800" rIns="50800" bIns="50800" anchor="ctr"/>
-          <a:lstStyle/>
-          <a:p>
-            <a:pPr>
-              <a:defRPr sz="2200">
-                <a:solidFill>
-                  <a:srgbClr val="FFFFFF"/>
-                </a:solidFill>
-                <a:latin typeface="+mn-lt"/>
-                <a:ea typeface="+mn-ea"/>
-                <a:cs typeface="+mn-cs"/>
-                <a:sym typeface="Gill Sans SemiBold"/>
-              </a:defRPr>
-            </a:pPr>
-            <a:endParaRPr/>
-          </a:p>
-        </p:txBody>
-      </p:sp>
-      <p:sp>
-        <p:nvSpPr>
-          <p:cNvPr id="264" name="Line"/>
-          <p:cNvSpPr/>
-          <p:nvPr/>
-        </p:nvSpPr>
-        <p:spPr>
-          <a:xfrm>
-            <a:off x="5392775" y="5101408"/>
-            <a:ext cx="1" cy="470055"/>
-          </a:xfrm>
-          <a:prstGeom prst="line">
-            <a:avLst/>
-          </a:prstGeom>
-          <a:ln w="25400">
-            <a:solidFill>
-              <a:schemeClr val="accent5">
-                <a:hueOff val="-82419"/>
-                <a:satOff val="-9513"/>
-                <a:lumOff val="-16343"/>
-              </a:schemeClr>
-            </a:solidFill>
-            <a:miter lim="400000"/>
-            <a:tailEnd type="triangle"/>
-          </a:ln>
-        </p:spPr>
-        <p:txBody>
-          <a:bodyPr lIns="50800" tIns="50800" rIns="50800" bIns="50800" anchor="ctr"/>
-          <a:lstStyle/>
-          <a:p>
-            <a:pPr>
-              <a:defRPr sz="2200">
-                <a:solidFill>
-                  <a:srgbClr val="FFFFFF"/>
-                </a:solidFill>
-                <a:latin typeface="+mn-lt"/>
-                <a:ea typeface="+mn-ea"/>
-                <a:cs typeface="+mn-cs"/>
-                <a:sym typeface="Gill Sans SemiBold"/>
-              </a:defRPr>
-            </a:pPr>
-            <a:endParaRPr/>
-          </a:p>
-        </p:txBody>
-      </p:sp>
-      <p:sp>
-        <p:nvSpPr>
-          <p:cNvPr id="265" name="CoursePerson"/>
-          <p:cNvSpPr/>
-          <p:nvPr/>
-        </p:nvSpPr>
-        <p:spPr>
-          <a:xfrm>
-            <a:off x="4039977" y="4540639"/>
-            <a:ext cx="2754350" cy="471523"/>
-          </a:xfrm>
-          <a:prstGeom prst="roundRect">
-            <a:avLst>
-              <a:gd name="adj" fmla="val 30015"/>
-            </a:avLst>
-          </a:prstGeom>
-          <a:solidFill>
-            <a:srgbClr val="5E5E5E"/>
-          </a:solidFill>
-          <a:ln w="12700">
-            <a:miter lim="400000"/>
-          </a:ln>
-          <a:extLst>
-            <a:ext uri="{C572A759-6A51-4108-AA02-DFA0A04FC94B}">
-              <ma14:wrappingTextBoxFlag xmlns:ma14="http://schemas.microsoft.com/office/mac/drawingml/2011/main" xmlns:a14="http://schemas.microsoft.com/office/drawing/2010/main" xmlns:m="http://schemas.openxmlformats.org/officeDocument/2006/math" xmlns="" val="1"/>
-            </a:ext>
-          </a:extLst>
-        </p:spPr>
-        <p:txBody>
-          <a:bodyPr lIns="50800" tIns="50800" rIns="50800" bIns="50800" anchor="ctr"/>
-          <a:lstStyle>
-            <a:lvl1pPr>
-              <a:defRPr sz="2200">
-                <a:solidFill>
-                  <a:srgbClr val="FFFFFF"/>
-                </a:solidFill>
-                <a:latin typeface="+mn-lt"/>
-                <a:ea typeface="+mn-ea"/>
-                <a:cs typeface="+mn-cs"/>
-                <a:sym typeface="Gill Sans SemiBold"/>
-              </a:defRPr>
-            </a:lvl1pPr>
-          </a:lstStyle>
-          <a:p>
-            <a:r>
-              <a:t>CoursePerson</a:t>
-            </a:r>
-          </a:p>
-        </p:txBody>
-      </p:sp>
-      <p:sp>
-        <p:nvSpPr>
-          <p:cNvPr id="266" name="Rounded Rectangle"/>
-          <p:cNvSpPr/>
-          <p:nvPr/>
-        </p:nvSpPr>
-        <p:spPr>
-          <a:xfrm>
-            <a:off x="2653642" y="6828608"/>
-            <a:ext cx="506368" cy="506368"/>
-          </a:xfrm>
-          <a:prstGeom prst="roundRect">
-            <a:avLst>
-              <a:gd name="adj" fmla="val 15000"/>
-            </a:avLst>
-          </a:prstGeom>
-          <a:solidFill>
-            <a:schemeClr val="accent1"/>
-          </a:solidFill>
-          <a:ln w="12700">
-            <a:miter lim="400000"/>
-          </a:ln>
-        </p:spPr>
-        <p:txBody>
-          <a:bodyPr lIns="50800" tIns="50800" rIns="50800" bIns="50800" anchor="ctr"/>
-          <a:lstStyle/>
-          <a:p>
-            <a:pPr>
-              <a:defRPr sz="2200">
-                <a:solidFill>
-                  <a:srgbClr val="FFFFFF"/>
-                </a:solidFill>
-                <a:latin typeface="+mn-lt"/>
-                <a:ea typeface="+mn-ea"/>
-                <a:cs typeface="+mn-cs"/>
-                <a:sym typeface="Gill Sans SemiBold"/>
-              </a:defRPr>
-            </a:pPr>
-            <a:endParaRPr/>
-          </a:p>
-        </p:txBody>
-      </p:sp>
-      <p:sp>
-        <p:nvSpPr>
-          <p:cNvPr id="267" name="Rounded Rectangle"/>
-          <p:cNvSpPr/>
-          <p:nvPr/>
-        </p:nvSpPr>
-        <p:spPr>
-          <a:xfrm>
-            <a:off x="3288642" y="6828608"/>
-            <a:ext cx="506368" cy="506368"/>
-          </a:xfrm>
-          <a:prstGeom prst="roundRect">
-            <a:avLst>
-              <a:gd name="adj" fmla="val 15000"/>
-            </a:avLst>
-          </a:prstGeom>
-          <a:solidFill>
-            <a:schemeClr val="accent1"/>
-          </a:solidFill>
-          <a:ln w="12700">
-            <a:miter lim="400000"/>
-          </a:ln>
-        </p:spPr>
-        <p:txBody>
-          <a:bodyPr lIns="50800" tIns="50800" rIns="50800" bIns="50800" anchor="ctr"/>
-          <a:lstStyle/>
-          <a:p>
-            <a:pPr>
-              <a:defRPr sz="2200">
-                <a:solidFill>
-                  <a:srgbClr val="FFFFFF"/>
-                </a:solidFill>
-                <a:latin typeface="+mn-lt"/>
-                <a:ea typeface="+mn-ea"/>
-                <a:cs typeface="+mn-cs"/>
-                <a:sym typeface="Gill Sans SemiBold"/>
-              </a:defRPr>
-            </a:pPr>
-            <a:endParaRPr/>
-          </a:p>
-        </p:txBody>
-      </p:sp>
-      <p:sp>
-        <p:nvSpPr>
-          <p:cNvPr id="268" name="Rounded Rectangle"/>
-          <p:cNvSpPr/>
-          <p:nvPr/>
-        </p:nvSpPr>
-        <p:spPr>
-          <a:xfrm>
-            <a:off x="3923642" y="6828608"/>
-            <a:ext cx="506368" cy="506368"/>
-          </a:xfrm>
-          <a:prstGeom prst="roundRect">
-            <a:avLst>
-              <a:gd name="adj" fmla="val 15000"/>
-            </a:avLst>
-          </a:prstGeom>
-          <a:solidFill>
-            <a:schemeClr val="accent1"/>
-          </a:solidFill>
-          <a:ln w="12700">
-            <a:miter lim="400000"/>
-          </a:ln>
-        </p:spPr>
-        <p:txBody>
-          <a:bodyPr lIns="50800" tIns="50800" rIns="50800" bIns="50800" anchor="ctr"/>
-          <a:lstStyle/>
-          <a:p>
-            <a:pPr>
-              <a:defRPr sz="2200">
-                <a:solidFill>
-                  <a:srgbClr val="FFFFFF"/>
-                </a:solidFill>
-                <a:latin typeface="+mn-lt"/>
-                <a:ea typeface="+mn-ea"/>
-                <a:cs typeface="+mn-cs"/>
-                <a:sym typeface="Gill Sans SemiBold"/>
-              </a:defRPr>
-            </a:pPr>
-            <a:endParaRPr/>
-          </a:p>
-        </p:txBody>
-      </p:sp>
-      <p:sp>
-        <p:nvSpPr>
-          <p:cNvPr id="269" name="Rounded Rectangle"/>
-          <p:cNvSpPr/>
-          <p:nvPr/>
-        </p:nvSpPr>
-        <p:spPr>
-          <a:xfrm>
-            <a:off x="4558642" y="6828608"/>
-            <a:ext cx="506368" cy="506368"/>
-          </a:xfrm>
-          <a:prstGeom prst="roundRect">
-            <a:avLst>
-              <a:gd name="adj" fmla="val 15000"/>
-            </a:avLst>
-          </a:prstGeom>
-          <a:solidFill>
-            <a:schemeClr val="accent1"/>
-          </a:solidFill>
-          <a:ln w="12700">
-            <a:miter lim="400000"/>
-          </a:ln>
-        </p:spPr>
-        <p:txBody>
-          <a:bodyPr lIns="50800" tIns="50800" rIns="50800" bIns="50800" anchor="ctr"/>
-          <a:lstStyle/>
-          <a:p>
-            <a:pPr>
-              <a:defRPr sz="2200">
-                <a:solidFill>
-                  <a:srgbClr val="FFFFFF"/>
-                </a:solidFill>
-                <a:latin typeface="+mn-lt"/>
-                <a:ea typeface="+mn-ea"/>
-                <a:cs typeface="+mn-cs"/>
-                <a:sym typeface="Gill Sans SemiBold"/>
-              </a:defRPr>
-            </a:pPr>
-            <a:endParaRPr/>
-          </a:p>
-        </p:txBody>
-      </p:sp>
-      <p:sp>
-        <p:nvSpPr>
-          <p:cNvPr id="270" name="Line"/>
-          <p:cNvSpPr/>
-          <p:nvPr/>
-        </p:nvSpPr>
-        <p:spPr>
-          <a:xfrm flipH="1">
-            <a:off x="2903922" y="6134375"/>
-            <a:ext cx="365923" cy="649784"/>
-          </a:xfrm>
-          <a:prstGeom prst="line">
-            <a:avLst/>
-          </a:prstGeom>
-          <a:ln w="25400">
-            <a:solidFill>
-              <a:srgbClr val="000000"/>
-            </a:solidFill>
-            <a:miter lim="400000"/>
-            <a:tailEnd type="triangle"/>
-          </a:ln>
-        </p:spPr>
-        <p:txBody>
-          <a:bodyPr lIns="50800" tIns="50800" rIns="50800" bIns="50800" anchor="ctr"/>
-          <a:lstStyle/>
-          <a:p>
-            <a:pPr>
-              <a:defRPr sz="2200">
-                <a:solidFill>
-                  <a:srgbClr val="FFFFFF"/>
-                </a:solidFill>
-                <a:latin typeface="+mn-lt"/>
-                <a:ea typeface="+mn-ea"/>
-                <a:cs typeface="+mn-cs"/>
-                <a:sym typeface="Gill Sans SemiBold"/>
-              </a:defRPr>
-            </a:pPr>
-            <a:endParaRPr/>
-          </a:p>
-        </p:txBody>
-      </p:sp>
-      <p:sp>
-        <p:nvSpPr>
-          <p:cNvPr id="271" name="Line"/>
-          <p:cNvSpPr/>
-          <p:nvPr/>
-        </p:nvSpPr>
-        <p:spPr>
-          <a:xfrm flipH="1">
-            <a:off x="3448348" y="6134375"/>
-            <a:ext cx="75497" cy="646219"/>
-          </a:xfrm>
-          <a:prstGeom prst="line">
-            <a:avLst/>
-          </a:prstGeom>
-          <a:ln w="25400">
-            <a:solidFill>
-              <a:srgbClr val="000000"/>
-            </a:solidFill>
-            <a:miter lim="400000"/>
-            <a:tailEnd type="triangle"/>
-          </a:ln>
-        </p:spPr>
-        <p:txBody>
-          <a:bodyPr lIns="50800" tIns="50800" rIns="50800" bIns="50800" anchor="ctr"/>
-          <a:lstStyle/>
-          <a:p>
-            <a:pPr>
-              <a:defRPr sz="2200">
-                <a:solidFill>
-                  <a:srgbClr val="FFFFFF"/>
-                </a:solidFill>
-                <a:latin typeface="+mn-lt"/>
-                <a:ea typeface="+mn-ea"/>
-                <a:cs typeface="+mn-cs"/>
-                <a:sym typeface="Gill Sans SemiBold"/>
-              </a:defRPr>
-            </a:pPr>
-            <a:endParaRPr/>
-          </a:p>
-        </p:txBody>
-      </p:sp>
-      <p:sp>
-        <p:nvSpPr>
-          <p:cNvPr id="272" name="Line"/>
-          <p:cNvSpPr/>
-          <p:nvPr/>
-        </p:nvSpPr>
-        <p:spPr>
-          <a:xfrm>
-            <a:off x="3777844" y="6134374"/>
-            <a:ext cx="377972" cy="650254"/>
-          </a:xfrm>
-          <a:prstGeom prst="line">
-            <a:avLst/>
-          </a:prstGeom>
-          <a:ln w="25400">
-            <a:solidFill>
-              <a:srgbClr val="000000"/>
-            </a:solidFill>
-            <a:miter lim="400000"/>
-            <a:tailEnd type="triangle"/>
-          </a:ln>
-        </p:spPr>
-        <p:txBody>
-          <a:bodyPr lIns="50800" tIns="50800" rIns="50800" bIns="50800" anchor="ctr"/>
-          <a:lstStyle/>
-          <a:p>
-            <a:pPr>
-              <a:defRPr sz="2200">
-                <a:solidFill>
-                  <a:srgbClr val="FFFFFF"/>
-                </a:solidFill>
-                <a:latin typeface="+mn-lt"/>
-                <a:ea typeface="+mn-ea"/>
-                <a:cs typeface="+mn-cs"/>
-                <a:sym typeface="Gill Sans SemiBold"/>
-              </a:defRPr>
-            </a:pPr>
-            <a:endParaRPr/>
-          </a:p>
-        </p:txBody>
-      </p:sp>
-      <p:sp>
-        <p:nvSpPr>
-          <p:cNvPr id="273" name="Line"/>
-          <p:cNvSpPr/>
-          <p:nvPr/>
-        </p:nvSpPr>
-        <p:spPr>
-          <a:xfrm>
-            <a:off x="4158844" y="6134374"/>
-            <a:ext cx="510578" cy="645392"/>
-          </a:xfrm>
-          <a:prstGeom prst="line">
-            <a:avLst/>
-          </a:prstGeom>
-          <a:ln w="25400">
-            <a:solidFill>
-              <a:srgbClr val="000000"/>
-            </a:solidFill>
-            <a:miter lim="400000"/>
-            <a:tailEnd type="triangle"/>
-          </a:ln>
-        </p:spPr>
-        <p:txBody>
-          <a:bodyPr lIns="50800" tIns="50800" rIns="50800" bIns="50800" anchor="ctr"/>
-          <a:lstStyle/>
-          <a:p>
-            <a:pPr>
-              <a:defRPr sz="2200">
-                <a:solidFill>
-                  <a:srgbClr val="FFFFFF"/>
-                </a:solidFill>
-                <a:latin typeface="+mn-lt"/>
-                <a:ea typeface="+mn-ea"/>
-                <a:cs typeface="+mn-cs"/>
-                <a:sym typeface="Gill Sans SemiBold"/>
-              </a:defRPr>
-            </a:pPr>
-            <a:endParaRPr/>
-          </a:p>
-        </p:txBody>
-      </p:sp>
-      <p:sp>
-        <p:nvSpPr>
-          <p:cNvPr id="274" name="object"/>
-          <p:cNvSpPr/>
-          <p:nvPr/>
-        </p:nvSpPr>
-        <p:spPr>
-          <a:xfrm>
-            <a:off x="5617778" y="2099776"/>
-            <a:ext cx="2113348" cy="471523"/>
-          </a:xfrm>
-          <a:prstGeom prst="roundRect">
-            <a:avLst>
-              <a:gd name="adj" fmla="val 30015"/>
-            </a:avLst>
-          </a:prstGeom>
-          <a:solidFill>
-            <a:srgbClr val="000000"/>
-          </a:solidFill>
-          <a:ln w="12700">
-            <a:miter lim="400000"/>
-          </a:ln>
-          <a:extLst>
-            <a:ext uri="{C572A759-6A51-4108-AA02-DFA0A04FC94B}">
-              <ma14:wrappingTextBoxFlag xmlns:ma14="http://schemas.microsoft.com/office/mac/drawingml/2011/main" xmlns:a14="http://schemas.microsoft.com/office/drawing/2010/main" xmlns:m="http://schemas.openxmlformats.org/officeDocument/2006/math" xmlns="" val="1"/>
-            </a:ext>
-          </a:extLst>
-        </p:spPr>
-        <p:txBody>
-          <a:bodyPr lIns="50800" tIns="50800" rIns="50800" bIns="50800" anchor="ctr"/>
-          <a:lstStyle>
-            <a:lvl1pPr>
-              <a:defRPr sz="2200">
-                <a:solidFill>
-                  <a:srgbClr val="FFFFFF"/>
-                </a:solidFill>
-                <a:latin typeface="+mn-lt"/>
-                <a:ea typeface="+mn-ea"/>
-                <a:cs typeface="+mn-cs"/>
-                <a:sym typeface="Gill Sans SemiBold"/>
-              </a:defRPr>
-            </a:lvl1pPr>
-          </a:lstStyle>
-          <a:p>
-            <a:r>
-              <a:t>object</a:t>
-            </a:r>
-          </a:p>
-        </p:txBody>
-      </p:sp>
-      <p:sp>
-        <p:nvSpPr>
-          <p:cNvPr id="275" name="Line"/>
-          <p:cNvSpPr/>
-          <p:nvPr/>
-        </p:nvSpPr>
-        <p:spPr>
-          <a:xfrm>
-            <a:off x="7500975" y="2612499"/>
-            <a:ext cx="351533" cy="469206"/>
-          </a:xfrm>
-          <a:prstGeom prst="line">
-            <a:avLst/>
-          </a:prstGeom>
-          <a:ln w="25400">
-            <a:solidFill>
-              <a:srgbClr val="000000"/>
-            </a:solidFill>
-            <a:miter lim="400000"/>
-            <a:tailEnd type="triangle"/>
-          </a:ln>
-        </p:spPr>
-        <p:txBody>
-          <a:bodyPr lIns="50800" tIns="50800" rIns="50800" bIns="50800" anchor="ctr"/>
-          <a:lstStyle/>
-          <a:p>
-            <a:pPr>
-              <a:defRPr sz="2200">
-                <a:solidFill>
-                  <a:srgbClr val="FFFFFF"/>
-                </a:solidFill>
-                <a:latin typeface="+mn-lt"/>
-                <a:ea typeface="+mn-ea"/>
-                <a:cs typeface="+mn-cs"/>
-                <a:sym typeface="Gill Sans SemiBold"/>
-              </a:defRPr>
-            </a:pPr>
-            <a:endParaRPr/>
-          </a:p>
-        </p:txBody>
-      </p:sp>
-      <p:sp>
-        <p:nvSpPr>
-          <p:cNvPr id="276" name="Line"/>
-          <p:cNvSpPr/>
-          <p:nvPr/>
-        </p:nvSpPr>
-        <p:spPr>
-          <a:xfrm flipH="1">
-            <a:off x="5447642" y="2629922"/>
-            <a:ext cx="351533" cy="469206"/>
-          </a:xfrm>
-          <a:prstGeom prst="line">
-            <a:avLst/>
-          </a:prstGeom>
-          <a:ln w="25400">
-            <a:solidFill>
-              <a:srgbClr val="000000"/>
-            </a:solidFill>
-            <a:miter lim="400000"/>
-            <a:tailEnd type="triangle"/>
-          </a:ln>
-        </p:spPr>
-        <p:txBody>
-          <a:bodyPr lIns="50800" tIns="50800" rIns="50800" bIns="50800" anchor="ctr"/>
-          <a:lstStyle/>
-          <a:p>
-            <a:pPr>
-              <a:defRPr sz="2200">
-                <a:solidFill>
-                  <a:srgbClr val="FFFFFF"/>
-                </a:solidFill>
-                <a:latin typeface="+mn-lt"/>
-                <a:ea typeface="+mn-ea"/>
-                <a:cs typeface="+mn-cs"/>
-                <a:sym typeface="Gill Sans SemiBold"/>
-              </a:defRPr>
-            </a:pPr>
-            <a:endParaRPr/>
-          </a:p>
-        </p:txBody>
-      </p:sp>
-      <p:sp>
-        <p:nvSpPr>
-          <p:cNvPr id="277" name="Line"/>
-          <p:cNvSpPr/>
-          <p:nvPr/>
-        </p:nvSpPr>
-        <p:spPr>
-          <a:xfrm>
-            <a:off x="6650075" y="2629921"/>
-            <a:ext cx="1" cy="470055"/>
-          </a:xfrm>
-          <a:prstGeom prst="line">
-            <a:avLst/>
-          </a:prstGeom>
-          <a:ln w="25400">
-            <a:solidFill>
-              <a:srgbClr val="000000"/>
-            </a:solidFill>
-            <a:miter lim="400000"/>
-            <a:tailEnd type="triangle"/>
-          </a:ln>
-        </p:spPr>
-        <p:txBody>
-          <a:bodyPr lIns="50800" tIns="50800" rIns="50800" bIns="50800" anchor="ctr"/>
-          <a:lstStyle/>
-          <a:p>
-            <a:pPr>
-              <a:defRPr sz="2200">
-                <a:solidFill>
-                  <a:srgbClr val="FFFFFF"/>
-                </a:solidFill>
-                <a:latin typeface="+mn-lt"/>
-                <a:ea typeface="+mn-ea"/>
-                <a:cs typeface="+mn-cs"/>
-                <a:sym typeface="Gill Sans SemiBold"/>
-              </a:defRPr>
-            </a:pPr>
-            <a:endParaRPr/>
-          </a:p>
-        </p:txBody>
-      </p:sp>
-      <p:sp>
-        <p:nvSpPr>
-          <p:cNvPr id="278" name="multiple inheritance"/>
-          <p:cNvSpPr txBox="1"/>
-          <p:nvPr/>
-        </p:nvSpPr>
-        <p:spPr>
-          <a:xfrm>
-            <a:off x="4946054" y="8274818"/>
-            <a:ext cx="3112692" cy="558801"/>
-          </a:xfrm>
-          <a:prstGeom prst="rect">
-            <a:avLst/>
-          </a:prstGeom>
-          <a:ln w="12700">
-            <a:miter lim="400000"/>
-          </a:ln>
-          <a:extLst>
-            <a:ext uri="{C572A759-6A51-4108-AA02-DFA0A04FC94B}">
-              <ma14:wrappingTextBoxFlag xmlns:ma14="http://schemas.microsoft.com/office/mac/drawingml/2011/main" xmlns:a14="http://schemas.microsoft.com/office/drawing/2010/main" xmlns:m="http://schemas.openxmlformats.org/officeDocument/2006/math" xmlns="" val="1"/>
-            </a:ext>
-          </a:extLst>
-        </p:spPr>
-        <p:txBody>
-          <a:bodyPr wrap="none" lIns="50800" tIns="50800" rIns="50800" bIns="50800" anchor="ctr">
-            <a:spAutoFit/>
-          </a:bodyPr>
-          <a:lstStyle>
-            <a:lvl1pPr>
-              <a:defRPr sz="3200" i="1">
-                <a:solidFill>
-                  <a:schemeClr val="accent5">
-                    <a:hueOff val="-82419"/>
-                    <a:satOff val="-9513"/>
-                    <a:lumOff val="-16343"/>
-                  </a:schemeClr>
-                </a:solidFill>
-                <a:latin typeface="Gill Sans"/>
-                <a:ea typeface="Gill Sans"/>
-                <a:cs typeface="Gill Sans"/>
-                <a:sym typeface="Gill Sans"/>
-              </a:defRPr>
-            </a:lvl1pPr>
-          </a:lstStyle>
-          <a:p>
-            <a:r>
-              <a:t>multiple inheritance</a:t>
-            </a:r>
-          </a:p>
-        </p:txBody>
-      </p:sp>
-      <p:sp>
-        <p:nvSpPr>
-          <p:cNvPr id="279" name="Instructor"/>
-          <p:cNvSpPr/>
-          <p:nvPr/>
-        </p:nvSpPr>
-        <p:spPr>
-          <a:xfrm>
-            <a:off x="4447880" y="5617386"/>
-            <a:ext cx="1855821" cy="471523"/>
-          </a:xfrm>
-          <a:prstGeom prst="roundRect">
-            <a:avLst>
-              <a:gd name="adj" fmla="val 21995"/>
-            </a:avLst>
-          </a:prstGeom>
-          <a:solidFill>
-            <a:srgbClr val="929292"/>
-          </a:solidFill>
-          <a:ln w="12700">
-            <a:miter lim="400000"/>
-          </a:ln>
-          <a:extLst>
-            <a:ext uri="{C572A759-6A51-4108-AA02-DFA0A04FC94B}">
-              <ma14:wrappingTextBoxFlag xmlns:ma14="http://schemas.microsoft.com/office/mac/drawingml/2011/main" xmlns:a14="http://schemas.microsoft.com/office/drawing/2010/main" xmlns:m="http://schemas.openxmlformats.org/officeDocument/2006/math" xmlns="" val="1"/>
-            </a:ext>
-          </a:extLst>
-        </p:spPr>
-        <p:txBody>
-          <a:bodyPr lIns="50800" tIns="50800" rIns="50800" bIns="50800" anchor="ctr"/>
-          <a:lstStyle>
-            <a:lvl1pPr>
-              <a:defRPr sz="2200">
-                <a:solidFill>
-                  <a:srgbClr val="FFFFFF"/>
-                </a:solidFill>
-                <a:latin typeface="+mn-lt"/>
-                <a:ea typeface="+mn-ea"/>
-                <a:cs typeface="+mn-cs"/>
-                <a:sym typeface="Gill Sans SemiBold"/>
-              </a:defRPr>
-            </a:lvl1pPr>
-          </a:lstStyle>
-          <a:p>
-            <a:r>
-              <a:t>Instructor</a:t>
-            </a:r>
-          </a:p>
-        </p:txBody>
-      </p:sp>
-      <p:sp>
-        <p:nvSpPr>
-          <p:cNvPr id="280" name="Employee"/>
-          <p:cNvSpPr/>
-          <p:nvPr/>
-        </p:nvSpPr>
-        <p:spPr>
-          <a:xfrm>
-            <a:off x="8434176" y="4540639"/>
-            <a:ext cx="2754351" cy="471523"/>
-          </a:xfrm>
-          <a:prstGeom prst="roundRect">
-            <a:avLst>
-              <a:gd name="adj" fmla="val 30015"/>
-            </a:avLst>
-          </a:prstGeom>
-          <a:solidFill>
-            <a:srgbClr val="5E5E5E"/>
-          </a:solidFill>
-          <a:ln w="12700">
-            <a:miter lim="400000"/>
-          </a:ln>
-          <a:extLst>
-            <a:ext uri="{C572A759-6A51-4108-AA02-DFA0A04FC94B}">
-              <ma14:wrappingTextBoxFlag xmlns:ma14="http://schemas.microsoft.com/office/mac/drawingml/2011/main" xmlns:a14="http://schemas.microsoft.com/office/drawing/2010/main" xmlns:m="http://schemas.openxmlformats.org/officeDocument/2006/math" xmlns="" val="1"/>
-            </a:ext>
-          </a:extLst>
-        </p:spPr>
-        <p:txBody>
-          <a:bodyPr lIns="50800" tIns="50800" rIns="50800" bIns="50800" anchor="ctr"/>
-          <a:lstStyle>
-            <a:lvl1pPr>
-              <a:defRPr sz="2200">
-                <a:solidFill>
-                  <a:srgbClr val="FFFFFF"/>
-                </a:solidFill>
-                <a:latin typeface="+mn-lt"/>
-                <a:ea typeface="+mn-ea"/>
-                <a:cs typeface="+mn-cs"/>
-                <a:sym typeface="Gill Sans SemiBold"/>
-              </a:defRPr>
-            </a:lvl1pPr>
-          </a:lstStyle>
-          <a:p>
-            <a:r>
-              <a:t>Employee</a:t>
-            </a:r>
-          </a:p>
-        </p:txBody>
-      </p:sp>
-      <p:sp>
-        <p:nvSpPr>
-          <p:cNvPr id="281" name="Person"/>
-          <p:cNvSpPr/>
-          <p:nvPr/>
-        </p:nvSpPr>
-        <p:spPr>
-          <a:xfrm>
-            <a:off x="7300615" y="3125685"/>
-            <a:ext cx="1328736" cy="471523"/>
-          </a:xfrm>
-          <a:prstGeom prst="roundRect">
-            <a:avLst>
-              <a:gd name="adj" fmla="val 30015"/>
-            </a:avLst>
-          </a:prstGeom>
-          <a:solidFill>
-            <a:srgbClr val="5E5E5E"/>
-          </a:solidFill>
-          <a:ln w="12700">
-            <a:miter lim="400000"/>
-          </a:ln>
-          <a:extLst>
-            <a:ext uri="{C572A759-6A51-4108-AA02-DFA0A04FC94B}">
-              <ma14:wrappingTextBoxFlag xmlns:ma14="http://schemas.microsoft.com/office/mac/drawingml/2011/main" xmlns:a14="http://schemas.microsoft.com/office/drawing/2010/main" xmlns:m="http://schemas.openxmlformats.org/officeDocument/2006/math" xmlns="" val="1"/>
-            </a:ext>
-          </a:extLst>
-        </p:spPr>
-        <p:txBody>
-          <a:bodyPr lIns="50800" tIns="50800" rIns="50800" bIns="50800" anchor="ctr"/>
-          <a:lstStyle>
-            <a:lvl1pPr>
-              <a:defRPr sz="2200">
-                <a:solidFill>
-                  <a:srgbClr val="FFFFFF"/>
-                </a:solidFill>
-                <a:latin typeface="+mn-lt"/>
-                <a:ea typeface="+mn-ea"/>
-                <a:cs typeface="+mn-cs"/>
-                <a:sym typeface="Gill Sans SemiBold"/>
-              </a:defRPr>
-            </a:lvl1pPr>
-          </a:lstStyle>
-          <a:p>
-            <a:r>
-              <a:t>Person</a:t>
-            </a:r>
-          </a:p>
-        </p:txBody>
-      </p:sp>
-      <p:sp>
-        <p:nvSpPr>
-          <p:cNvPr id="282" name="Dog"/>
-          <p:cNvSpPr/>
-          <p:nvPr/>
-        </p:nvSpPr>
-        <p:spPr>
-          <a:xfrm>
-            <a:off x="4757058" y="3087644"/>
-            <a:ext cx="1328736" cy="471523"/>
-          </a:xfrm>
-          <a:prstGeom prst="roundRect">
-            <a:avLst>
-              <a:gd name="adj" fmla="val 30015"/>
-            </a:avLst>
-          </a:prstGeom>
-          <a:solidFill>
-            <a:srgbClr val="5E5E5E"/>
-          </a:solidFill>
-          <a:ln w="12700">
-            <a:miter lim="400000"/>
-          </a:ln>
-          <a:extLst>
-            <a:ext uri="{C572A759-6A51-4108-AA02-DFA0A04FC94B}">
-              <ma14:wrappingTextBoxFlag xmlns:ma14="http://schemas.microsoft.com/office/mac/drawingml/2011/main" xmlns:a14="http://schemas.microsoft.com/office/drawing/2010/main" xmlns:m="http://schemas.openxmlformats.org/officeDocument/2006/math" xmlns="" val="1"/>
-            </a:ext>
-          </a:extLst>
-        </p:spPr>
-        <p:txBody>
-          <a:bodyPr lIns="50800" tIns="50800" rIns="50800" bIns="50800" anchor="ctr"/>
-          <a:lstStyle>
-            <a:lvl1pPr>
-              <a:defRPr sz="2200">
-                <a:solidFill>
-                  <a:srgbClr val="FFFFFF"/>
-                </a:solidFill>
-                <a:latin typeface="+mn-lt"/>
-                <a:ea typeface="+mn-ea"/>
-                <a:cs typeface="+mn-cs"/>
-                <a:sym typeface="Gill Sans SemiBold"/>
-              </a:defRPr>
-            </a:lvl1pPr>
-          </a:lstStyle>
-          <a:p>
-            <a:r>
-              <a:t>Dog</a:t>
-            </a:r>
-          </a:p>
-        </p:txBody>
-      </p:sp>
-      <p:sp>
-        <p:nvSpPr>
-          <p:cNvPr id="283" name="Janitor"/>
-          <p:cNvSpPr/>
-          <p:nvPr/>
-        </p:nvSpPr>
-        <p:spPr>
-          <a:xfrm>
-            <a:off x="10429581" y="5617386"/>
-            <a:ext cx="1328736" cy="471523"/>
-          </a:xfrm>
-          <a:prstGeom prst="roundRect">
-            <a:avLst>
-              <a:gd name="adj" fmla="val 21995"/>
-            </a:avLst>
-          </a:prstGeom>
-          <a:solidFill>
-            <a:srgbClr val="929292"/>
-          </a:solidFill>
-          <a:ln w="12700">
-            <a:miter lim="400000"/>
-          </a:ln>
-          <a:extLst>
-            <a:ext uri="{C572A759-6A51-4108-AA02-DFA0A04FC94B}">
-              <ma14:wrappingTextBoxFlag xmlns:ma14="http://schemas.microsoft.com/office/mac/drawingml/2011/main" xmlns:a14="http://schemas.microsoft.com/office/drawing/2010/main" xmlns:m="http://schemas.openxmlformats.org/officeDocument/2006/math" xmlns="" val="1"/>
-            </a:ext>
-          </a:extLst>
-        </p:spPr>
-        <p:txBody>
-          <a:bodyPr lIns="50800" tIns="50800" rIns="50800" bIns="50800" anchor="ctr"/>
-          <a:lstStyle>
-            <a:lvl1pPr>
-              <a:defRPr sz="2200">
-                <a:solidFill>
-                  <a:srgbClr val="FFFFFF"/>
-                </a:solidFill>
-                <a:latin typeface="+mn-lt"/>
-                <a:ea typeface="+mn-ea"/>
-                <a:cs typeface="+mn-cs"/>
-                <a:sym typeface="Gill Sans SemiBold"/>
-              </a:defRPr>
-            </a:lvl1pPr>
-          </a:lstStyle>
-          <a:p>
-            <a:r>
-              <a:t>Janitor</a:t>
-            </a:r>
-          </a:p>
-        </p:txBody>
-      </p:sp>
-      <p:sp>
-        <p:nvSpPr>
-          <p:cNvPr id="284" name="Line"/>
-          <p:cNvSpPr/>
-          <p:nvPr/>
-        </p:nvSpPr>
-        <p:spPr>
-          <a:xfrm>
-            <a:off x="10561675" y="5083985"/>
-            <a:ext cx="351533" cy="469207"/>
-          </a:xfrm>
-          <a:prstGeom prst="line">
-            <a:avLst/>
-          </a:prstGeom>
-          <a:ln w="25400">
-            <a:solidFill>
-              <a:srgbClr val="000000"/>
-            </a:solidFill>
-            <a:miter lim="400000"/>
-            <a:tailEnd type="triangle"/>
-          </a:ln>
-        </p:spPr>
-        <p:txBody>
-          <a:bodyPr lIns="50800" tIns="50800" rIns="50800" bIns="50800" anchor="ctr"/>
-          <a:lstStyle/>
-          <a:p>
-            <a:pPr>
-              <a:defRPr sz="2200">
-                <a:solidFill>
-                  <a:srgbClr val="FFFFFF"/>
-                </a:solidFill>
-                <a:latin typeface="+mn-lt"/>
-                <a:ea typeface="+mn-ea"/>
-                <a:cs typeface="+mn-cs"/>
-                <a:sym typeface="Gill Sans SemiBold"/>
-              </a:defRPr>
-            </a:pPr>
-            <a:endParaRPr/>
-          </a:p>
-        </p:txBody>
-      </p:sp>
-      <p:sp>
-        <p:nvSpPr>
-          <p:cNvPr id="285" name="Line"/>
-          <p:cNvSpPr/>
-          <p:nvPr/>
-        </p:nvSpPr>
-        <p:spPr>
-          <a:xfrm flipH="1">
-            <a:off x="9016342" y="5101408"/>
-            <a:ext cx="351533" cy="469207"/>
-          </a:xfrm>
-          <a:prstGeom prst="line">
-            <a:avLst/>
-          </a:prstGeom>
-          <a:ln w="25400">
-            <a:solidFill>
-              <a:srgbClr val="000000"/>
-            </a:solidFill>
-            <a:miter lim="400000"/>
-            <a:tailEnd type="triangle"/>
-          </a:ln>
-        </p:spPr>
-        <p:txBody>
-          <a:bodyPr lIns="50800" tIns="50800" rIns="50800" bIns="50800" anchor="ctr"/>
-          <a:lstStyle/>
-          <a:p>
-            <a:pPr>
-              <a:defRPr sz="2200">
-                <a:solidFill>
-                  <a:srgbClr val="FFFFFF"/>
-                </a:solidFill>
-                <a:latin typeface="+mn-lt"/>
-                <a:ea typeface="+mn-ea"/>
-                <a:cs typeface="+mn-cs"/>
-                <a:sym typeface="Gill Sans SemiBold"/>
-              </a:defRPr>
-            </a:pPr>
-            <a:endParaRPr/>
-          </a:p>
-        </p:txBody>
-      </p:sp>
-      <p:sp>
-        <p:nvSpPr>
-          <p:cNvPr id="286" name="Admin"/>
-          <p:cNvSpPr/>
-          <p:nvPr/>
-        </p:nvSpPr>
-        <p:spPr>
-          <a:xfrm>
-            <a:off x="8511880" y="5617386"/>
-            <a:ext cx="1370621" cy="471523"/>
-          </a:xfrm>
-          <a:prstGeom prst="roundRect">
-            <a:avLst>
-              <a:gd name="adj" fmla="val 21995"/>
-            </a:avLst>
-          </a:prstGeom>
-          <a:solidFill>
-            <a:srgbClr val="929292"/>
-          </a:solidFill>
-          <a:ln w="12700">
-            <a:miter lim="400000"/>
-          </a:ln>
-          <a:extLst>
-            <a:ext uri="{C572A759-6A51-4108-AA02-DFA0A04FC94B}">
-              <ma14:wrappingTextBoxFlag xmlns:ma14="http://schemas.microsoft.com/office/mac/drawingml/2011/main" xmlns:a14="http://schemas.microsoft.com/office/drawing/2010/main" xmlns:m="http://schemas.openxmlformats.org/officeDocument/2006/math" xmlns="" val="1"/>
-            </a:ext>
-          </a:extLst>
-        </p:spPr>
-        <p:txBody>
-          <a:bodyPr lIns="50800" tIns="50800" rIns="50800" bIns="50800" anchor="ctr"/>
-          <a:lstStyle>
-            <a:lvl1pPr>
-              <a:defRPr sz="2200">
-                <a:solidFill>
-                  <a:srgbClr val="FFFFFF"/>
-                </a:solidFill>
-                <a:latin typeface="+mn-lt"/>
-                <a:ea typeface="+mn-ea"/>
-                <a:cs typeface="+mn-cs"/>
-                <a:sym typeface="Gill Sans SemiBold"/>
-              </a:defRPr>
-            </a:lvl1pPr>
-          </a:lstStyle>
-          <a:p>
-            <a:r>
-              <a:t>Admin</a:t>
-            </a:r>
-          </a:p>
-        </p:txBody>
-      </p:sp>
-      <p:sp>
-        <p:nvSpPr>
-          <p:cNvPr id="287" name="Line"/>
-          <p:cNvSpPr/>
-          <p:nvPr/>
-        </p:nvSpPr>
-        <p:spPr>
-          <a:xfrm>
-            <a:off x="8478875" y="3649859"/>
-            <a:ext cx="511226" cy="817960"/>
-          </a:xfrm>
-          <a:prstGeom prst="line">
-            <a:avLst/>
-          </a:prstGeom>
-          <a:ln w="25400">
-            <a:solidFill>
-              <a:srgbClr val="000000"/>
-            </a:solidFill>
-            <a:miter lim="400000"/>
-            <a:tailEnd type="triangle"/>
-          </a:ln>
-        </p:spPr>
-        <p:txBody>
-          <a:bodyPr lIns="50800" tIns="50800" rIns="50800" bIns="50800" anchor="ctr"/>
-          <a:lstStyle/>
-          <a:p>
-            <a:pPr>
-              <a:defRPr sz="2200">
-                <a:solidFill>
-                  <a:srgbClr val="FFFFFF"/>
-                </a:solidFill>
-                <a:latin typeface="+mn-lt"/>
-                <a:ea typeface="+mn-ea"/>
-                <a:cs typeface="+mn-cs"/>
-                <a:sym typeface="Gill Sans SemiBold"/>
-              </a:defRPr>
-            </a:pPr>
-            <a:endParaRPr/>
-          </a:p>
-        </p:txBody>
-      </p:sp>
-      <p:sp>
-        <p:nvSpPr>
-          <p:cNvPr id="288" name="Line"/>
-          <p:cNvSpPr/>
-          <p:nvPr/>
-        </p:nvSpPr>
-        <p:spPr>
-          <a:xfrm flipH="1">
-            <a:off x="6595901" y="3667282"/>
-            <a:ext cx="943174" cy="776982"/>
-          </a:xfrm>
-          <a:prstGeom prst="line">
-            <a:avLst/>
-          </a:prstGeom>
-          <a:ln w="25400">
-            <a:solidFill>
-              <a:srgbClr val="000000"/>
-            </a:solidFill>
-            <a:miter lim="400000"/>
-            <a:tailEnd type="triangle"/>
-          </a:ln>
-        </p:spPr>
-        <p:txBody>
-          <a:bodyPr lIns="50800" tIns="50800" rIns="50800" bIns="50800" anchor="ctr"/>
-          <a:lstStyle/>
-          <a:p>
-            <a:pPr>
-              <a:defRPr sz="2200">
-                <a:solidFill>
-                  <a:srgbClr val="FFFFFF"/>
-                </a:solidFill>
-                <a:latin typeface="+mn-lt"/>
-                <a:ea typeface="+mn-ea"/>
-                <a:cs typeface="+mn-cs"/>
-                <a:sym typeface="Gill Sans SemiBold"/>
-              </a:defRPr>
-            </a:pPr>
-            <a:endParaRPr/>
-          </a:p>
-        </p:txBody>
-      </p:sp>
-      <p:sp>
-        <p:nvSpPr>
-          <p:cNvPr id="289" name="Line"/>
-          <p:cNvSpPr/>
-          <p:nvPr/>
-        </p:nvSpPr>
-        <p:spPr>
-          <a:xfrm flipH="1">
-            <a:off x="6167077" y="4789316"/>
-            <a:ext cx="2156074" cy="736104"/>
-          </a:xfrm>
-          <a:prstGeom prst="line">
-            <a:avLst/>
-          </a:prstGeom>
-          <a:ln w="25400">
-            <a:solidFill>
-              <a:schemeClr val="accent5">
-                <a:hueOff val="-82419"/>
-                <a:satOff val="-9513"/>
-                <a:lumOff val="-16343"/>
-              </a:schemeClr>
-            </a:solidFill>
-            <a:miter lim="400000"/>
-            <a:tailEnd type="triangle"/>
-          </a:ln>
-        </p:spPr>
-        <p:txBody>
-          <a:bodyPr lIns="50800" tIns="50800" rIns="50800" bIns="50800" anchor="ctr"/>
-          <a:lstStyle/>
-          <a:p>
-            <a:pPr>
-              <a:defRPr sz="2200">
-                <a:solidFill>
-                  <a:srgbClr val="FFFFFF"/>
-                </a:solidFill>
-                <a:latin typeface="+mn-lt"/>
-                <a:ea typeface="+mn-ea"/>
-                <a:cs typeface="+mn-cs"/>
-                <a:sym typeface="Gill Sans SemiBold"/>
-              </a:defRPr>
-            </a:pPr>
-            <a:endParaRPr/>
-          </a:p>
-        </p:txBody>
-      </p:sp>
-      <p:sp>
-        <p:nvSpPr>
-          <p:cNvPr id="290" name="Line"/>
-          <p:cNvSpPr/>
-          <p:nvPr/>
-        </p:nvSpPr>
-        <p:spPr>
-          <a:xfrm flipH="1">
-            <a:off x="8116814" y="5088389"/>
-            <a:ext cx="366962" cy="474019"/>
-          </a:xfrm>
-          <a:prstGeom prst="line">
-            <a:avLst/>
-          </a:prstGeom>
-          <a:ln w="25400">
-            <a:solidFill>
-              <a:srgbClr val="000000"/>
-            </a:solidFill>
-            <a:miter lim="400000"/>
-            <a:tailEnd type="triangle"/>
-          </a:ln>
-        </p:spPr>
-        <p:txBody>
-          <a:bodyPr lIns="50800" tIns="50800" rIns="50800" bIns="50800" anchor="ctr"/>
-          <a:lstStyle/>
-          <a:p>
-            <a:pPr>
-              <a:defRPr sz="2200">
-                <a:solidFill>
-                  <a:srgbClr val="FFFFFF"/>
-                </a:solidFill>
-                <a:latin typeface="+mn-lt"/>
-                <a:ea typeface="+mn-ea"/>
-                <a:cs typeface="+mn-cs"/>
-                <a:sym typeface="Gill Sans SemiBold"/>
-              </a:defRPr>
-            </a:pPr>
-            <a:endParaRPr/>
-          </a:p>
-        </p:txBody>
-      </p:sp>
-    </p:spTree>
-  </p:cSld>
-  <p:clrMapOvr>
-    <a:masterClrMapping/>
-  </p:clrMapOvr>
-  <p:transition spd="med"/>
-</p:sld>
-</file>
-
-<file path=ppt/slides/slide15.xml><?xml version="1.0" encoding="utf-8"?>
-<p:sld xmlns:a="http://schemas.openxmlformats.org/drawingml/2006/main" xmlns:r="http://schemas.openxmlformats.org/officeDocument/2006/relationships" xmlns:p="http://schemas.openxmlformats.org/presentationml/2006/main">
-  <p:cSld>
-    <p:spTree>
-      <p:nvGrpSpPr>
-        <p:cNvPr id="1" name=""/>
-        <p:cNvGrpSpPr/>
-        <p:nvPr/>
-      </p:nvGrpSpPr>
-      <p:grpSpPr>
-        <a:xfrm>
-          <a:off x="0" y="0"/>
-          <a:ext cx="0" cy="0"/>
-          <a:chOff x="0" y="0"/>
-          <a:chExt cx="0" cy="0"/>
-        </a:xfrm>
-      </p:grpSpPr>
-      <p:sp>
-        <p:nvSpPr>
           <p:cNvPr id="292" name="Coding Examples"/>
           <p:cNvSpPr txBox="1">
             <a:spLocks noGrp="1"/>
@@ -9131,71 +9071,7 @@
 </file>
 
 <file path=ppt/slides/slide2.xml><?xml version="1.0" encoding="utf-8"?>
-<p:sld xmlns:a="http://schemas.openxmlformats.org/drawingml/2006/main" xmlns:r="http://schemas.openxmlformats.org/officeDocument/2006/relationships" xmlns:p="http://schemas.openxmlformats.org/presentationml/2006/main" show="0">
-  <p:cSld>
-    <p:spTree>
-      <p:nvGrpSpPr>
-        <p:cNvPr id="1" name=""/>
-        <p:cNvGrpSpPr/>
-        <p:nvPr/>
-      </p:nvGrpSpPr>
-      <p:grpSpPr>
-        <a:xfrm>
-          <a:off x="0" y="0"/>
-          <a:ext cx="0" cy="0"/>
-          <a:chOff x="0" y="0"/>
-          <a:chExt cx="0" cy="0"/>
-        </a:xfrm>
-      </p:grpSpPr>
-      <p:sp>
-        <p:nvSpPr>
-          <p:cNvPr id="131" name="Review"/>
-          <p:cNvSpPr txBox="1">
-            <a:spLocks noGrp="1"/>
-          </p:cNvSpPr>
-          <p:nvPr>
-            <p:ph type="title"/>
-          </p:nvPr>
-        </p:nvSpPr>
-        <p:spPr>
-          <a:xfrm>
-            <a:off x="952500" y="3881611"/>
-            <a:ext cx="11099800" cy="1990378"/>
-          </a:xfrm>
-          <a:prstGeom prst="rect">
-            <a:avLst/>
-          </a:prstGeom>
-        </p:spPr>
-        <p:txBody>
-          <a:bodyPr/>
-          <a:lstStyle>
-            <a:lvl1pPr>
-              <a:defRPr sz="9600">
-                <a:latin typeface="Gill Sans Light"/>
-                <a:ea typeface="Gill Sans Light"/>
-                <a:cs typeface="Gill Sans Light"/>
-                <a:sym typeface="Gill Sans Light"/>
-              </a:defRPr>
-            </a:lvl1pPr>
-          </a:lstStyle>
-          <a:p>
-            <a:r>
-              <a:t>Review</a:t>
-            </a:r>
-          </a:p>
-        </p:txBody>
-      </p:sp>
-    </p:spTree>
-  </p:cSld>
-  <p:clrMapOvr>
-    <a:masterClrMapping/>
-  </p:clrMapOvr>
-  <p:transition spd="med"/>
-</p:sld>
-</file>
-
-<file path=ppt/slides/slide3.xml><?xml version="1.0" encoding="utf-8"?>
-<p:sld xmlns:a="http://schemas.openxmlformats.org/drawingml/2006/main" xmlns:r="http://schemas.openxmlformats.org/officeDocument/2006/relationships" xmlns:p="http://schemas.openxmlformats.org/presentationml/2006/main" show="0">
+<p:sld xmlns:a="http://schemas.openxmlformats.org/drawingml/2006/main" xmlns:r="http://schemas.openxmlformats.org/officeDocument/2006/relationships" xmlns:p="http://schemas.openxmlformats.org/presentationml/2006/main">
   <p:cSld>
     <p:spTree>
       <p:nvGrpSpPr>
@@ -9401,7 +9277,7 @@
           </a:ln>
           <a:extLst>
             <a:ext uri="{C572A759-6A51-4108-AA02-DFA0A04FC94B}">
-              <ma14:wrappingTextBoxFlag xmlns:ma14="http://schemas.microsoft.com/office/mac/drawingml/2011/main" xmlns:a14="http://schemas.microsoft.com/office/drawing/2010/main" xmlns:m="http://schemas.openxmlformats.org/officeDocument/2006/math" xmlns="" val="1"/>
+              <ma14:wrappingTextBoxFlag xmlns="" xmlns:m="http://schemas.openxmlformats.org/officeDocument/2006/math" xmlns:a14="http://schemas.microsoft.com/office/drawing/2010/main" xmlns:ma14="http://schemas.microsoft.com/office/mac/drawingml/2011/main" val="1"/>
             </a:ext>
           </a:extLst>
         </p:spPr>
@@ -9457,7 +9333,7 @@
           </a:ln>
           <a:extLst>
             <a:ext uri="{C572A759-6A51-4108-AA02-DFA0A04FC94B}">
-              <ma14:wrappingTextBoxFlag xmlns:ma14="http://schemas.microsoft.com/office/mac/drawingml/2011/main" xmlns:a14="http://schemas.microsoft.com/office/drawing/2010/main" xmlns:m="http://schemas.openxmlformats.org/officeDocument/2006/math" xmlns="" val="1"/>
+              <ma14:wrappingTextBoxFlag xmlns="" xmlns:m="http://schemas.openxmlformats.org/officeDocument/2006/math" xmlns:a14="http://schemas.microsoft.com/office/drawing/2010/main" xmlns:ma14="http://schemas.microsoft.com/office/mac/drawingml/2011/main" val="1"/>
             </a:ext>
           </a:extLst>
         </p:spPr>
@@ -9494,8 +9370,8 @@
 </p:sld>
 </file>
 
-<file path=ppt/slides/slide4.xml><?xml version="1.0" encoding="utf-8"?>
-<p:sld xmlns:a="http://schemas.openxmlformats.org/drawingml/2006/main" xmlns:r="http://schemas.openxmlformats.org/officeDocument/2006/relationships" xmlns:p="http://schemas.openxmlformats.org/presentationml/2006/main" show="0">
+<file path=ppt/slides/slide3.xml><?xml version="1.0" encoding="utf-8"?>
+<p:sld xmlns:a="http://schemas.openxmlformats.org/drawingml/2006/main" xmlns:r="http://schemas.openxmlformats.org/officeDocument/2006/relationships" xmlns:p="http://schemas.openxmlformats.org/presentationml/2006/main">
   <p:cSld>
     <p:spTree>
       <p:nvGrpSpPr>
@@ -9701,7 +9577,7 @@
           </a:ln>
           <a:extLst>
             <a:ext uri="{C572A759-6A51-4108-AA02-DFA0A04FC94B}">
-              <ma14:wrappingTextBoxFlag xmlns:ma14="http://schemas.microsoft.com/office/mac/drawingml/2011/main" xmlns:a14="http://schemas.microsoft.com/office/drawing/2010/main" xmlns:m="http://schemas.openxmlformats.org/officeDocument/2006/math" xmlns="" val="1"/>
+              <ma14:wrappingTextBoxFlag xmlns="" xmlns:m="http://schemas.openxmlformats.org/officeDocument/2006/math" xmlns:a14="http://schemas.microsoft.com/office/drawing/2010/main" xmlns:ma14="http://schemas.microsoft.com/office/mac/drawingml/2011/main" val="1"/>
             </a:ext>
           </a:extLst>
         </p:spPr>
@@ -9738,8 +9614,8 @@
 </p:sld>
 </file>
 
-<file path=ppt/slides/slide5.xml><?xml version="1.0" encoding="utf-8"?>
-<p:sld xmlns:a="http://schemas.openxmlformats.org/drawingml/2006/main" xmlns:r="http://schemas.openxmlformats.org/officeDocument/2006/relationships" xmlns:p="http://schemas.openxmlformats.org/presentationml/2006/main" show="0">
+<file path=ppt/slides/slide4.xml><?xml version="1.0" encoding="utf-8"?>
+<p:sld xmlns:a="http://schemas.openxmlformats.org/drawingml/2006/main" xmlns:r="http://schemas.openxmlformats.org/officeDocument/2006/relationships" xmlns:p="http://schemas.openxmlformats.org/presentationml/2006/main">
   <p:cSld>
     <p:spTree>
       <p:nvGrpSpPr>
@@ -9985,7 +9861,7 @@
           </a:ln>
           <a:extLst>
             <a:ext uri="{C572A759-6A51-4108-AA02-DFA0A04FC94B}">
-              <ma14:wrappingTextBoxFlag xmlns:ma14="http://schemas.microsoft.com/office/mac/drawingml/2011/main" xmlns:a14="http://schemas.microsoft.com/office/drawing/2010/main" xmlns:m="http://schemas.openxmlformats.org/officeDocument/2006/math" xmlns="" val="1"/>
+              <ma14:wrappingTextBoxFlag xmlns="" xmlns:m="http://schemas.openxmlformats.org/officeDocument/2006/math" xmlns:a14="http://schemas.microsoft.com/office/drawing/2010/main" xmlns:ma14="http://schemas.microsoft.com/office/mac/drawingml/2011/main" val="1"/>
             </a:ext>
           </a:extLst>
         </p:spPr>
@@ -10069,7 +9945,7 @@
           </a:ln>
           <a:extLst>
             <a:ext uri="{C572A759-6A51-4108-AA02-DFA0A04FC94B}">
-              <ma14:wrappingTextBoxFlag xmlns:ma14="http://schemas.microsoft.com/office/mac/drawingml/2011/main" xmlns:a14="http://schemas.microsoft.com/office/drawing/2010/main" xmlns:m="http://schemas.openxmlformats.org/officeDocument/2006/math" xmlns="" val="1"/>
+              <ma14:wrappingTextBoxFlag xmlns="" xmlns:m="http://schemas.openxmlformats.org/officeDocument/2006/math" xmlns:a14="http://schemas.microsoft.com/office/drawing/2010/main" xmlns:ma14="http://schemas.microsoft.com/office/mac/drawingml/2011/main" val="1"/>
             </a:ext>
           </a:extLst>
         </p:spPr>
@@ -10106,8 +9982,8 @@
 </p:sld>
 </file>
 
-<file path=ppt/slides/slide6.xml><?xml version="1.0" encoding="utf-8"?>
-<p:sld xmlns:a="http://schemas.openxmlformats.org/drawingml/2006/main" xmlns:r="http://schemas.openxmlformats.org/officeDocument/2006/relationships" xmlns:p="http://schemas.openxmlformats.org/presentationml/2006/main" show="0">
+<file path=ppt/slides/slide5.xml><?xml version="1.0" encoding="utf-8"?>
+<p:sld xmlns:a="http://schemas.openxmlformats.org/drawingml/2006/main" xmlns:r="http://schemas.openxmlformats.org/officeDocument/2006/relationships" xmlns:p="http://schemas.openxmlformats.org/presentationml/2006/main">
   <p:cSld>
     <p:spTree>
       <p:nvGrpSpPr>
@@ -10353,7 +10229,7 @@
           </a:ln>
           <a:extLst>
             <a:ext uri="{C572A759-6A51-4108-AA02-DFA0A04FC94B}">
-              <ma14:wrappingTextBoxFlag xmlns:ma14="http://schemas.microsoft.com/office/mac/drawingml/2011/main" xmlns:a14="http://schemas.microsoft.com/office/drawing/2010/main" xmlns:m="http://schemas.openxmlformats.org/officeDocument/2006/math" xmlns="" val="1"/>
+              <ma14:wrappingTextBoxFlag xmlns="" xmlns:m="http://schemas.openxmlformats.org/officeDocument/2006/math" xmlns:a14="http://schemas.microsoft.com/office/drawing/2010/main" xmlns:ma14="http://schemas.microsoft.com/office/mac/drawingml/2011/main" val="1"/>
             </a:ext>
           </a:extLst>
         </p:spPr>
@@ -10437,7 +10313,7 @@
           </a:ln>
           <a:extLst>
             <a:ext uri="{C572A759-6A51-4108-AA02-DFA0A04FC94B}">
-              <ma14:wrappingTextBoxFlag xmlns:ma14="http://schemas.microsoft.com/office/mac/drawingml/2011/main" xmlns:a14="http://schemas.microsoft.com/office/drawing/2010/main" xmlns:m="http://schemas.openxmlformats.org/officeDocument/2006/math" xmlns="" val="1"/>
+              <ma14:wrappingTextBoxFlag xmlns="" xmlns:m="http://schemas.openxmlformats.org/officeDocument/2006/math" xmlns:a14="http://schemas.microsoft.com/office/drawing/2010/main" xmlns:ma14="http://schemas.microsoft.com/office/mac/drawingml/2011/main" val="1"/>
             </a:ext>
           </a:extLst>
         </p:spPr>
@@ -10504,8 +10380,8 @@
 </p:sld>
 </file>
 
-<file path=ppt/slides/slide7.xml><?xml version="1.0" encoding="utf-8"?>
-<p:sld xmlns:a="http://schemas.openxmlformats.org/drawingml/2006/main" xmlns:r="http://schemas.openxmlformats.org/officeDocument/2006/relationships" xmlns:p="http://schemas.openxmlformats.org/presentationml/2006/main" show="0">
+<file path=ppt/slides/slide6.xml><?xml version="1.0" encoding="utf-8"?>
+<p:sld xmlns:a="http://schemas.openxmlformats.org/drawingml/2006/main" xmlns:r="http://schemas.openxmlformats.org/officeDocument/2006/relationships" xmlns:p="http://schemas.openxmlformats.org/presentationml/2006/main">
   <p:cSld>
     <p:spTree>
       <p:nvGrpSpPr>
@@ -10578,7 +10454,7 @@
           </a:ln>
           <a:extLst>
             <a:ext uri="{C572A759-6A51-4108-AA02-DFA0A04FC94B}">
-              <ma14:wrappingTextBoxFlag xmlns:ma14="http://schemas.microsoft.com/office/mac/drawingml/2011/main" xmlns:a14="http://schemas.microsoft.com/office/drawing/2010/main" xmlns:m="http://schemas.openxmlformats.org/officeDocument/2006/math" xmlns="" val="1"/>
+              <ma14:wrappingTextBoxFlag xmlns="" xmlns:m="http://schemas.openxmlformats.org/officeDocument/2006/math" xmlns:a14="http://schemas.microsoft.com/office/drawing/2010/main" xmlns:ma14="http://schemas.microsoft.com/office/mac/drawingml/2011/main" val="1"/>
             </a:ext>
           </a:extLst>
         </p:spPr>
@@ -10748,8 +10624,8 @@
 </p:sld>
 </file>
 
-<file path=ppt/slides/slide8.xml><?xml version="1.0" encoding="utf-8"?>
-<p:sld xmlns:a="http://schemas.openxmlformats.org/drawingml/2006/main" xmlns:r="http://schemas.openxmlformats.org/officeDocument/2006/relationships" xmlns:p="http://schemas.openxmlformats.org/presentationml/2006/main" show="0">
+<file path=ppt/slides/slide7.xml><?xml version="1.0" encoding="utf-8"?>
+<p:sld xmlns:a="http://schemas.openxmlformats.org/drawingml/2006/main" xmlns:r="http://schemas.openxmlformats.org/officeDocument/2006/relationships" xmlns:p="http://schemas.openxmlformats.org/presentationml/2006/main">
   <p:cSld>
     <p:spTree>
       <p:nvGrpSpPr>
@@ -10855,7 +10731,7 @@
           </a:ln>
           <a:extLst>
             <a:ext uri="{C572A759-6A51-4108-AA02-DFA0A04FC94B}">
-              <ma14:wrappingTextBoxFlag xmlns:ma14="http://schemas.microsoft.com/office/mac/drawingml/2011/main" xmlns:a14="http://schemas.microsoft.com/office/drawing/2010/main" xmlns:m="http://schemas.openxmlformats.org/officeDocument/2006/math" xmlns="" val="1"/>
+              <ma14:wrappingTextBoxFlag xmlns="" xmlns:m="http://schemas.openxmlformats.org/officeDocument/2006/math" xmlns:a14="http://schemas.microsoft.com/office/drawing/2010/main" xmlns:ma14="http://schemas.microsoft.com/office/mac/drawingml/2011/main" val="1"/>
             </a:ext>
           </a:extLst>
         </p:spPr>
@@ -10960,8 +10836,8 @@
 </p:sld>
 </file>
 
-<file path=ppt/slides/slide9.xml><?xml version="1.0" encoding="utf-8"?>
-<p:sld xmlns:a="http://schemas.openxmlformats.org/drawingml/2006/main" xmlns:r="http://schemas.openxmlformats.org/officeDocument/2006/relationships" xmlns:p="http://schemas.openxmlformats.org/presentationml/2006/main" show="0">
+<file path=ppt/slides/slide8.xml><?xml version="1.0" encoding="utf-8"?>
+<p:sld xmlns:a="http://schemas.openxmlformats.org/drawingml/2006/main" xmlns:r="http://schemas.openxmlformats.org/officeDocument/2006/relationships" xmlns:p="http://schemas.openxmlformats.org/presentationml/2006/main">
   <p:cSld>
     <p:spTree>
       <p:nvGrpSpPr>
@@ -11063,7 +10939,7 @@
           </a:ln>
           <a:extLst>
             <a:ext uri="{C572A759-6A51-4108-AA02-DFA0A04FC94B}">
-              <ma14:wrappingTextBoxFlag xmlns:ma14="http://schemas.microsoft.com/office/mac/drawingml/2011/main" xmlns:a14="http://schemas.microsoft.com/office/drawing/2010/main" xmlns:m="http://schemas.openxmlformats.org/officeDocument/2006/math" xmlns="" val="1"/>
+              <ma14:wrappingTextBoxFlag xmlns="" xmlns:m="http://schemas.openxmlformats.org/officeDocument/2006/math" xmlns:a14="http://schemas.microsoft.com/office/drawing/2010/main" xmlns:ma14="http://schemas.microsoft.com/office/mac/drawingml/2011/main" val="1"/>
             </a:ext>
           </a:extLst>
         </p:spPr>
@@ -11156,6 +11032,70 @@
               </a:defRPr>
             </a:pPr>
             <a:endParaRPr/>
+          </a:p>
+        </p:txBody>
+      </p:sp>
+    </p:spTree>
+  </p:cSld>
+  <p:clrMapOvr>
+    <a:masterClrMapping/>
+  </p:clrMapOvr>
+  <p:transition spd="med"/>
+</p:sld>
+</file>
+
+<file path=ppt/slides/slide9.xml><?xml version="1.0" encoding="utf-8"?>
+<p:sld xmlns:a="http://schemas.openxmlformats.org/drawingml/2006/main" xmlns:r="http://schemas.openxmlformats.org/officeDocument/2006/relationships" xmlns:p="http://schemas.openxmlformats.org/presentationml/2006/main">
+  <p:cSld>
+    <p:spTree>
+      <p:nvGrpSpPr>
+        <p:cNvPr id="1" name=""/>
+        <p:cNvGrpSpPr/>
+        <p:nvPr/>
+      </p:nvGrpSpPr>
+      <p:grpSpPr>
+        <a:xfrm>
+          <a:off x="0" y="0"/>
+          <a:ext cx="0" cy="0"/>
+          <a:chOff x="0" y="0"/>
+          <a:chExt cx="0" cy="0"/>
+        </a:xfrm>
+      </p:grpSpPr>
+      <p:sp>
+        <p:nvSpPr>
+          <p:cNvPr id="172" name="Inheritance"/>
+          <p:cNvSpPr txBox="1">
+            <a:spLocks noGrp="1"/>
+          </p:cNvSpPr>
+          <p:nvPr>
+            <p:ph type="title"/>
+          </p:nvPr>
+        </p:nvSpPr>
+        <p:spPr>
+          <a:xfrm>
+            <a:off x="952500" y="3881611"/>
+            <a:ext cx="11099800" cy="1990378"/>
+          </a:xfrm>
+          <a:prstGeom prst="rect">
+            <a:avLst/>
+          </a:prstGeom>
+        </p:spPr>
+        <p:txBody>
+          <a:bodyPr/>
+          <a:lstStyle>
+            <a:lvl1pPr>
+              <a:defRPr sz="9600">
+                <a:latin typeface="Gill Sans Light"/>
+                <a:ea typeface="Gill Sans Light"/>
+                <a:cs typeface="Gill Sans Light"/>
+                <a:sym typeface="Gill Sans Light"/>
+              </a:defRPr>
+            </a:lvl1pPr>
+          </a:lstStyle>
+          <a:p>
+            <a:r>
+              <a:t>Inheritance</a:t>
+            </a:r>
           </a:p>
         </p:txBody>
       </p:sp>
